--- a/docs/diagrams/Shune'sCommand.pptx
+++ b/docs/diagrams/Shune'sCommand.pptx
@@ -16,6 +16,7 @@
     <p:sldId id="264" r:id="rId10"/>
     <p:sldId id="265" r:id="rId11"/>
     <p:sldId id="266" r:id="rId12"/>
+    <p:sldId id="267" r:id="rId13"/>
   </p:sldIdLst>
   <p:sldSz cx="12192000" cy="6858000"/>
   <p:notesSz cx="6858000" cy="9144000"/>
@@ -114,6 +115,11 @@
       </a:defRPr>
     </a:lvl9pPr>
   </p:defaultTextStyle>
+  <p:extLst>
+    <p:ext uri="{EFAFB233-063F-42B5-8137-9DF3F51BA10A}">
+      <p15:sldGuideLst xmlns:p15="http://schemas.microsoft.com/office/powerpoint/2012/main"/>
+    </p:ext>
+  </p:extLst>
 </p:presentation>
 </file>
 
@@ -3545,6 +3551,119 @@
           </a:fontRef>
         </p:style>
       </p:cxnSp>
+      <p:sp>
+        <p:nvSpPr>
+          <p:cNvPr id="5" name="Text Box 2">
+            <a:extLst>
+              <a:ext uri="{FF2B5EF4-FFF2-40B4-BE49-F238E27FC236}">
+                <a16:creationId xmlns:a16="http://schemas.microsoft.com/office/drawing/2014/main" id="{D7CBAB5D-62E7-437F-8642-8F12139210EA}"/>
+              </a:ext>
+            </a:extLst>
+          </p:cNvPr>
+          <p:cNvSpPr txBox="1">
+            <a:spLocks noChangeArrowheads="1"/>
+          </p:cNvSpPr>
+          <p:nvPr/>
+        </p:nvSpPr>
+        <p:spPr bwMode="auto">
+          <a:xfrm>
+            <a:off x="2893165" y="2668397"/>
+            <a:ext cx="1940141" cy="512125"/>
+          </a:xfrm>
+          <a:prstGeom prst="rect">
+            <a:avLst/>
+          </a:prstGeom>
+          <a:solidFill>
+            <a:schemeClr val="accent2"/>
+          </a:solidFill>
+          <a:ln w="9525">
+            <a:solidFill>
+              <a:srgbClr val="000000"/>
+            </a:solidFill>
+            <a:miter lim="800000"/>
+            <a:headEnd/>
+            <a:tailEnd/>
+          </a:ln>
+        </p:spPr>
+        <p:txBody>
+          <a:bodyPr rot="0" vert="horz" wrap="square" lIns="91440" tIns="45720" rIns="91440" bIns="45720" anchor="t" anchorCtr="0">
+            <a:noAutofit/>
+          </a:bodyPr>
+          <a:lstStyle/>
+          <a:p>
+            <a:pPr>
+              <a:lnSpc>
+                <a:spcPct val="107000"/>
+              </a:lnSpc>
+              <a:spcAft>
+                <a:spcPts val="800"/>
+              </a:spcAft>
+            </a:pPr>
+            <a:r>
+              <a:rPr lang="en-SG" sz="1200" b="1" dirty="0">
+                <a:solidFill>
+                  <a:schemeClr val="bg1"/>
+                </a:solidFill>
+                <a:latin typeface="Arial Nova Cond" panose="020B0506020202020204" pitchFamily="34" charset="0"/>
+                <a:ea typeface="Calibri" panose="020F0502020204030204" pitchFamily="34" charset="0"/>
+                <a:cs typeface="Times New Roman" panose="02020603050405020304" pitchFamily="18" charset="0"/>
+              </a:rPr>
+              <a:t>2. The target project to be edited is here</a:t>
+            </a:r>
+            <a:endParaRPr lang="en-SG" sz="1200" dirty="0">
+              <a:solidFill>
+                <a:schemeClr val="bg1"/>
+              </a:solidFill>
+              <a:effectLst/>
+              <a:latin typeface="Calibri" panose="020F0502020204030204" pitchFamily="34" charset="0"/>
+              <a:ea typeface="Calibri" panose="020F0502020204030204" pitchFamily="34" charset="0"/>
+              <a:cs typeface="Times New Roman" panose="02020603050405020304" pitchFamily="18" charset="0"/>
+            </a:endParaRPr>
+          </a:p>
+        </p:txBody>
+      </p:sp>
+      <p:cxnSp>
+        <p:nvCxnSpPr>
+          <p:cNvPr id="9" name="Straight Arrow Connector 8">
+            <a:extLst>
+              <a:ext uri="{FF2B5EF4-FFF2-40B4-BE49-F238E27FC236}">
+                <a16:creationId xmlns:a16="http://schemas.microsoft.com/office/drawing/2014/main" id="{8431B657-C880-4B1F-A792-0F6717501E80}"/>
+              </a:ext>
+            </a:extLst>
+          </p:cNvPr>
+          <p:cNvCxnSpPr>
+            <a:cxnSpLocks/>
+            <a:stCxn id="5" idx="1"/>
+          </p:cNvCxnSpPr>
+          <p:nvPr/>
+        </p:nvCxnSpPr>
+        <p:spPr>
+          <a:xfrm flipH="1">
+            <a:off x="1507789" y="2924460"/>
+            <a:ext cx="1385376" cy="183754"/>
+          </a:xfrm>
+          <a:prstGeom prst="straightConnector1">
+            <a:avLst/>
+          </a:prstGeom>
+          <a:ln>
+            <a:tailEnd type="triangle"/>
+          </a:ln>
+        </p:spPr>
+        <p:style>
+          <a:lnRef idx="1">
+            <a:schemeClr val="accent2"/>
+          </a:lnRef>
+          <a:fillRef idx="0">
+            <a:schemeClr val="accent2"/>
+          </a:fillRef>
+          <a:effectRef idx="0">
+            <a:schemeClr val="accent2"/>
+          </a:effectRef>
+          <a:fontRef idx="minor">
+            <a:schemeClr val="tx1"/>
+          </a:fontRef>
+        </p:style>
+      </p:cxnSp>
     </p:spTree>
     <p:extLst>
       <p:ext uri="{BB962C8B-B14F-4D97-AF65-F5344CB8AC3E}">
@@ -4456,6 +4575,36 @@
 </p:sld>
 </file>
 
+<file path=ppt/slides/slide12.xml><?xml version="1.0" encoding="utf-8"?>
+<p:sld xmlns:a="http://schemas.openxmlformats.org/drawingml/2006/main" xmlns:r="http://schemas.openxmlformats.org/officeDocument/2006/relationships" xmlns:p="http://schemas.openxmlformats.org/presentationml/2006/main">
+  <p:cSld>
+    <p:spTree>
+      <p:nvGrpSpPr>
+        <p:cNvPr id="1" name=""/>
+        <p:cNvGrpSpPr/>
+        <p:nvPr/>
+      </p:nvGrpSpPr>
+      <p:grpSpPr>
+        <a:xfrm>
+          <a:off x="0" y="0"/>
+          <a:ext cx="0" cy="0"/>
+          <a:chOff x="0" y="0"/>
+          <a:chExt cx="0" cy="0"/>
+        </a:xfrm>
+      </p:grpSpPr>
+    </p:spTree>
+    <p:extLst>
+      <p:ext uri="{BB962C8B-B14F-4D97-AF65-F5344CB8AC3E}">
+        <p14:creationId xmlns:p14="http://schemas.microsoft.com/office/powerpoint/2010/main" val="2062428057"/>
+      </p:ext>
+    </p:extLst>
+  </p:cSld>
+  <p:clrMapOvr>
+    <a:masterClrMapping/>
+  </p:clrMapOvr>
+</p:sld>
+</file>
+
 <file path=ppt/slides/slide2.xml><?xml version="1.0" encoding="utf-8"?>
 <p:sld xmlns:a="http://schemas.openxmlformats.org/drawingml/2006/main" xmlns:r="http://schemas.openxmlformats.org/officeDocument/2006/relationships" xmlns:p="http://schemas.openxmlformats.org/presentationml/2006/main">
   <p:cSld>
@@ -4908,7 +5057,7 @@
                 <a:ea typeface="Calibri" panose="020F0502020204030204" pitchFamily="34" charset="0"/>
                 <a:cs typeface="Times New Roman" panose="02020603050405020304" pitchFamily="18" charset="0"/>
               </a:rPr>
-              <a:t>4. The changes made to the description is reflected here</a:t>
+              <a:t>4. The changes made to the deadline is reflected here</a:t>
             </a:r>
             <a:endParaRPr lang="en-SG" sz="2000" dirty="0">
               <a:solidFill>
@@ -5044,7 +5193,7 @@
         <p:spPr bwMode="auto">
           <a:xfrm>
             <a:off x="4280451" y="633916"/>
-            <a:ext cx="4982817" cy="337353"/>
+            <a:ext cx="5141845" cy="337353"/>
           </a:xfrm>
           <a:prstGeom prst="rect">
             <a:avLst/>
@@ -5085,53 +5234,7 @@
                 <a:ea typeface="Calibri" panose="020F0502020204030204" pitchFamily="34" charset="0"/>
                 <a:cs typeface="Times New Roman" panose="02020603050405020304" pitchFamily="18" charset="0"/>
               </a:rPr>
-              <a:t>1. Type the command to edit </a:t>
-            </a:r>
-            <a:r>
-              <a:rPr lang="en-SG" sz="1200" b="1" dirty="0" err="1">
-                <a:solidFill>
-                  <a:schemeClr val="bg1"/>
-                </a:solidFill>
-                <a:effectLst/>
-                <a:latin typeface="Arial Nova Cond" panose="020B0506020202020204" pitchFamily="34" charset="0"/>
-                <a:ea typeface="Calibri" panose="020F0502020204030204" pitchFamily="34" charset="0"/>
-                <a:cs typeface="Times New Roman" panose="02020603050405020304" pitchFamily="18" charset="0"/>
-              </a:rPr>
-              <a:t>PocketProject</a:t>
-            </a:r>
-            <a:r>
-              <a:rPr lang="en-SG" sz="1200" b="1" dirty="0" err="1">
-                <a:solidFill>
-                  <a:schemeClr val="bg1"/>
-                </a:solidFill>
-                <a:latin typeface="Arial Nova Cond" panose="020B0506020202020204" pitchFamily="34" charset="0"/>
-                <a:ea typeface="Calibri" panose="020F0502020204030204" pitchFamily="34" charset="0"/>
-                <a:cs typeface="Times New Roman" panose="02020603050405020304" pitchFamily="18" charset="0"/>
-              </a:rPr>
-              <a:t>’s</a:t>
-            </a:r>
-            <a:r>
-              <a:rPr lang="en-SG" sz="1200" b="1" dirty="0">
-                <a:solidFill>
-                  <a:schemeClr val="bg1"/>
-                </a:solidFill>
-                <a:latin typeface="Arial Nova Cond" panose="020B0506020202020204" pitchFamily="34" charset="0"/>
-                <a:ea typeface="Calibri" panose="020F0502020204030204" pitchFamily="34" charset="0"/>
-                <a:cs typeface="Times New Roman" panose="02020603050405020304" pitchFamily="18" charset="0"/>
-              </a:rPr>
-              <a:t> </a:t>
-            </a:r>
-            <a:r>
-              <a:rPr lang="en-SG" sz="1200" b="1" dirty="0">
-                <a:solidFill>
-                  <a:schemeClr val="bg1"/>
-                </a:solidFill>
-                <a:effectLst/>
-                <a:latin typeface="Arial Nova Cond" panose="020B0506020202020204" pitchFamily="34" charset="0"/>
-                <a:ea typeface="Calibri" panose="020F0502020204030204" pitchFamily="34" charset="0"/>
-                <a:cs typeface="Times New Roman" panose="02020603050405020304" pitchFamily="18" charset="0"/>
-              </a:rPr>
-              <a:t>description and deadline</a:t>
+              <a:t>1. Type the command to edit name, phone and skill of the employee at index 2</a:t>
             </a:r>
             <a:endParaRPr lang="en-SG" sz="1200" dirty="0">
               <a:solidFill>
@@ -5247,29 +5350,7 @@
                 <a:ea typeface="Calibri" panose="020F0502020204030204" pitchFamily="34" charset="0"/>
                 <a:cs typeface="Times New Roman" panose="02020603050405020304" pitchFamily="18" charset="0"/>
               </a:rPr>
-              <a:t>2. target employee from the list to be edited. For </a:t>
-            </a:r>
-            <a:r>
-              <a:rPr lang="en-SG" sz="1200" b="1" dirty="0" err="1">
-                <a:solidFill>
-                  <a:schemeClr val="bg1"/>
-                </a:solidFill>
-                <a:latin typeface="Arial Nova Cond" panose="020B0506020202020204" pitchFamily="34" charset="0"/>
-                <a:ea typeface="Calibri" panose="020F0502020204030204" pitchFamily="34" charset="0"/>
-                <a:cs typeface="Times New Roman" panose="02020603050405020304" pitchFamily="18" charset="0"/>
-              </a:rPr>
-              <a:t>eg</a:t>
-            </a:r>
-            <a:r>
-              <a:rPr lang="en-SG" sz="1200" b="1" dirty="0">
-                <a:solidFill>
-                  <a:schemeClr val="bg1"/>
-                </a:solidFill>
-                <a:latin typeface="Arial Nova Cond" panose="020B0506020202020204" pitchFamily="34" charset="0"/>
-                <a:ea typeface="Calibri" panose="020F0502020204030204" pitchFamily="34" charset="0"/>
-                <a:cs typeface="Times New Roman" panose="02020603050405020304" pitchFamily="18" charset="0"/>
-              </a:rPr>
-              <a:t>, target employee is at index 2 of the displayed list.</a:t>
+              <a:t>2. The target employee at index 2 which will be edited when the command is entered.</a:t>
             </a:r>
             <a:endParaRPr lang="en-SG" sz="1200" dirty="0">
               <a:solidFill>
@@ -6458,7 +6539,7 @@
                 <a:ea typeface="Calibri" panose="020F0502020204030204" pitchFamily="34" charset="0"/>
                 <a:cs typeface="Times New Roman" panose="02020603050405020304" pitchFamily="18" charset="0"/>
               </a:rPr>
-              <a:t>. The edited milestone. Since the milestones are sorted by date, changing the date to 03/08/2019 shifted the milestone to be second in the list</a:t>
+              <a:t>. The edited milestone is shown at index 2. Since the milestones are sorted by date, changing the date to 03/08/2019 shifted the milestone to be second in the list.</a:t>
             </a:r>
             <a:endParaRPr lang="en-SG" sz="1200" dirty="0">
               <a:solidFill>
@@ -6929,6 +7010,80 @@
           </a:p>
         </p:txBody>
       </p:sp>
+      <p:sp>
+        <p:nvSpPr>
+          <p:cNvPr id="9" name="TextBox 8">
+            <a:extLst>
+              <a:ext uri="{FF2B5EF4-FFF2-40B4-BE49-F238E27FC236}">
+                <a16:creationId xmlns:a16="http://schemas.microsoft.com/office/drawing/2014/main" id="{CE88B25E-97EA-4E1C-A971-D029720184B8}"/>
+              </a:ext>
+            </a:extLst>
+          </p:cNvPr>
+          <p:cNvSpPr txBox="1"/>
+          <p:nvPr/>
+        </p:nvSpPr>
+        <p:spPr>
+          <a:xfrm>
+            <a:off x="811534" y="2557668"/>
+            <a:ext cx="427544" cy="251791"/>
+          </a:xfrm>
+          <a:prstGeom prst="rect">
+            <a:avLst/>
+          </a:prstGeom>
+          <a:noFill/>
+          <a:ln w="57150">
+            <a:solidFill>
+              <a:schemeClr val="accent2"/>
+            </a:solidFill>
+          </a:ln>
+        </p:spPr>
+        <p:txBody>
+          <a:bodyPr wrap="square" rtlCol="0">
+            <a:spAutoFit/>
+          </a:bodyPr>
+          <a:lstStyle/>
+          <a:p>
+            <a:endParaRPr lang="en-SG" dirty="0"/>
+          </a:p>
+        </p:txBody>
+      </p:sp>
+      <p:sp>
+        <p:nvSpPr>
+          <p:cNvPr id="10" name="TextBox 9">
+            <a:extLst>
+              <a:ext uri="{FF2B5EF4-FFF2-40B4-BE49-F238E27FC236}">
+                <a16:creationId xmlns:a16="http://schemas.microsoft.com/office/drawing/2014/main" id="{10A5FE9F-FD74-43EE-B027-F2867A8E54CA}"/>
+              </a:ext>
+            </a:extLst>
+          </p:cNvPr>
+          <p:cNvSpPr txBox="1"/>
+          <p:nvPr/>
+        </p:nvSpPr>
+        <p:spPr>
+          <a:xfrm>
+            <a:off x="791656" y="3836503"/>
+            <a:ext cx="427544" cy="251791"/>
+          </a:xfrm>
+          <a:prstGeom prst="rect">
+            <a:avLst/>
+          </a:prstGeom>
+          <a:noFill/>
+          <a:ln w="57150">
+            <a:solidFill>
+              <a:schemeClr val="accent2"/>
+            </a:solidFill>
+          </a:ln>
+        </p:spPr>
+        <p:txBody>
+          <a:bodyPr wrap="square" rtlCol="0">
+            <a:spAutoFit/>
+          </a:bodyPr>
+          <a:lstStyle/>
+          <a:p>
+            <a:endParaRPr lang="en-SG" dirty="0"/>
+          </a:p>
+        </p:txBody>
+      </p:sp>
     </p:spTree>
     <p:extLst>
       <p:ext uri="{BB962C8B-B14F-4D97-AF65-F5344CB8AC3E}">
@@ -7287,8 +7442,8 @@
         </p:nvSpPr>
         <p:spPr bwMode="auto">
           <a:xfrm>
-            <a:off x="3024967" y="3428999"/>
-            <a:ext cx="1931347" cy="679175"/>
+            <a:off x="3024967" y="3429000"/>
+            <a:ext cx="1931347" cy="573158"/>
           </a:xfrm>
           <a:prstGeom prst="rect">
             <a:avLst/>
@@ -7328,7 +7483,7 @@
                 <a:ea typeface="Calibri" panose="020F0502020204030204" pitchFamily="34" charset="0"/>
                 <a:cs typeface="Times New Roman" panose="02020603050405020304" pitchFamily="18" charset="0"/>
               </a:rPr>
-              <a:t>3. The employees with ‘stark’ in their name that are found</a:t>
+              <a:t>3. All the employees with ‘java’ skill are listed here</a:t>
             </a:r>
             <a:endParaRPr lang="en-SG" sz="2000" dirty="0">
               <a:solidFill>
@@ -7826,7 +7981,7 @@
                 <a:ea typeface="Calibri" panose="020F0502020204030204" pitchFamily="34" charset="0"/>
                 <a:cs typeface="Times New Roman" panose="02020603050405020304" pitchFamily="18" charset="0"/>
               </a:rPr>
-              <a:t>3. The employees with ‘stark’ in their name that are found</a:t>
+              <a:t>3. The projects with the word ‘Apollo’ in their project’s name are listed</a:t>
             </a:r>
             <a:endParaRPr lang="en-SG" sz="2000" dirty="0">
               <a:solidFill>
@@ -7836,6 +7991,80 @@
               <a:ea typeface="Calibri" panose="020F0502020204030204" pitchFamily="34" charset="0"/>
               <a:cs typeface="Times New Roman" panose="02020603050405020304" pitchFamily="18" charset="0"/>
             </a:endParaRPr>
+          </a:p>
+        </p:txBody>
+      </p:sp>
+      <p:sp>
+        <p:nvSpPr>
+          <p:cNvPr id="9" name="TextBox 8">
+            <a:extLst>
+              <a:ext uri="{FF2B5EF4-FFF2-40B4-BE49-F238E27FC236}">
+                <a16:creationId xmlns:a16="http://schemas.microsoft.com/office/drawing/2014/main" id="{731B0778-F037-43CF-88FA-3F7BC2849AF7}"/>
+              </a:ext>
+            </a:extLst>
+          </p:cNvPr>
+          <p:cNvSpPr txBox="1"/>
+          <p:nvPr/>
+        </p:nvSpPr>
+        <p:spPr>
+          <a:xfrm>
+            <a:off x="393835" y="2690191"/>
+            <a:ext cx="573574" cy="212035"/>
+          </a:xfrm>
+          <a:prstGeom prst="rect">
+            <a:avLst/>
+          </a:prstGeom>
+          <a:noFill/>
+          <a:ln w="57150">
+            <a:solidFill>
+              <a:schemeClr val="accent2"/>
+            </a:solidFill>
+          </a:ln>
+        </p:spPr>
+        <p:txBody>
+          <a:bodyPr wrap="square" rtlCol="0">
+            <a:spAutoFit/>
+          </a:bodyPr>
+          <a:lstStyle/>
+          <a:p>
+            <a:endParaRPr lang="en-SG" dirty="0"/>
+          </a:p>
+        </p:txBody>
+      </p:sp>
+      <p:sp>
+        <p:nvSpPr>
+          <p:cNvPr id="10" name="TextBox 9">
+            <a:extLst>
+              <a:ext uri="{FF2B5EF4-FFF2-40B4-BE49-F238E27FC236}">
+                <a16:creationId xmlns:a16="http://schemas.microsoft.com/office/drawing/2014/main" id="{B68DAC84-6AF2-476C-B005-13EA5806D333}"/>
+              </a:ext>
+            </a:extLst>
+          </p:cNvPr>
+          <p:cNvSpPr txBox="1"/>
+          <p:nvPr/>
+        </p:nvSpPr>
+        <p:spPr>
+          <a:xfrm>
+            <a:off x="911570" y="3889513"/>
+            <a:ext cx="573574" cy="212035"/>
+          </a:xfrm>
+          <a:prstGeom prst="rect">
+            <a:avLst/>
+          </a:prstGeom>
+          <a:noFill/>
+          <a:ln w="57150">
+            <a:solidFill>
+              <a:schemeClr val="accent2"/>
+            </a:solidFill>
+          </a:ln>
+        </p:spPr>
+        <p:txBody>
+          <a:bodyPr wrap="square" rtlCol="0">
+            <a:spAutoFit/>
+          </a:bodyPr>
+          <a:lstStyle/>
+          <a:p>
+            <a:endParaRPr lang="en-SG" dirty="0"/>
           </a:p>
         </p:txBody>
       </p:sp>

--- a/docs/diagrams/Shune'sCommand.pptx
+++ b/docs/diagrams/Shune'sCommand.pptx
@@ -272,7 +272,7 @@
           <a:p>
             <a:fld id="{5C73DC13-FB20-4F3B-B568-3E6821065BCD}" type="datetimeFigureOut">
               <a:rPr lang="en-SG" smtClean="0"/>
-              <a:t>14/4/2019</a:t>
+              <a:t>15/4/2019</a:t>
             </a:fld>
             <a:endParaRPr lang="en-SG"/>
           </a:p>
@@ -472,7 +472,7 @@
           <a:p>
             <a:fld id="{5C73DC13-FB20-4F3B-B568-3E6821065BCD}" type="datetimeFigureOut">
               <a:rPr lang="en-SG" smtClean="0"/>
-              <a:t>14/4/2019</a:t>
+              <a:t>15/4/2019</a:t>
             </a:fld>
             <a:endParaRPr lang="en-SG"/>
           </a:p>
@@ -682,7 +682,7 @@
           <a:p>
             <a:fld id="{5C73DC13-FB20-4F3B-B568-3E6821065BCD}" type="datetimeFigureOut">
               <a:rPr lang="en-SG" smtClean="0"/>
-              <a:t>14/4/2019</a:t>
+              <a:t>15/4/2019</a:t>
             </a:fld>
             <a:endParaRPr lang="en-SG"/>
           </a:p>
@@ -882,7 +882,7 @@
           <a:p>
             <a:fld id="{5C73DC13-FB20-4F3B-B568-3E6821065BCD}" type="datetimeFigureOut">
               <a:rPr lang="en-SG" smtClean="0"/>
-              <a:t>14/4/2019</a:t>
+              <a:t>15/4/2019</a:t>
             </a:fld>
             <a:endParaRPr lang="en-SG"/>
           </a:p>
@@ -1158,7 +1158,7 @@
           <a:p>
             <a:fld id="{5C73DC13-FB20-4F3B-B568-3E6821065BCD}" type="datetimeFigureOut">
               <a:rPr lang="en-SG" smtClean="0"/>
-              <a:t>14/4/2019</a:t>
+              <a:t>15/4/2019</a:t>
             </a:fld>
             <a:endParaRPr lang="en-SG"/>
           </a:p>
@@ -1426,7 +1426,7 @@
           <a:p>
             <a:fld id="{5C73DC13-FB20-4F3B-B568-3E6821065BCD}" type="datetimeFigureOut">
               <a:rPr lang="en-SG" smtClean="0"/>
-              <a:t>14/4/2019</a:t>
+              <a:t>15/4/2019</a:t>
             </a:fld>
             <a:endParaRPr lang="en-SG"/>
           </a:p>
@@ -1841,7 +1841,7 @@
           <a:p>
             <a:fld id="{5C73DC13-FB20-4F3B-B568-3E6821065BCD}" type="datetimeFigureOut">
               <a:rPr lang="en-SG" smtClean="0"/>
-              <a:t>14/4/2019</a:t>
+              <a:t>15/4/2019</a:t>
             </a:fld>
             <a:endParaRPr lang="en-SG"/>
           </a:p>
@@ -1983,7 +1983,7 @@
           <a:p>
             <a:fld id="{5C73DC13-FB20-4F3B-B568-3E6821065BCD}" type="datetimeFigureOut">
               <a:rPr lang="en-SG" smtClean="0"/>
-              <a:t>14/4/2019</a:t>
+              <a:t>15/4/2019</a:t>
             </a:fld>
             <a:endParaRPr lang="en-SG"/>
           </a:p>
@@ -2096,7 +2096,7 @@
           <a:p>
             <a:fld id="{5C73DC13-FB20-4F3B-B568-3E6821065BCD}" type="datetimeFigureOut">
               <a:rPr lang="en-SG" smtClean="0"/>
-              <a:t>14/4/2019</a:t>
+              <a:t>15/4/2019</a:t>
             </a:fld>
             <a:endParaRPr lang="en-SG"/>
           </a:p>
@@ -2409,7 +2409,7 @@
           <a:p>
             <a:fld id="{5C73DC13-FB20-4F3B-B568-3E6821065BCD}" type="datetimeFigureOut">
               <a:rPr lang="en-SG" smtClean="0"/>
-              <a:t>14/4/2019</a:t>
+              <a:t>15/4/2019</a:t>
             </a:fld>
             <a:endParaRPr lang="en-SG"/>
           </a:p>
@@ -2698,7 +2698,7 @@
           <a:p>
             <a:fld id="{5C73DC13-FB20-4F3B-B568-3E6821065BCD}" type="datetimeFigureOut">
               <a:rPr lang="en-SG" smtClean="0"/>
-              <a:t>14/4/2019</a:t>
+              <a:t>15/4/2019</a:t>
             </a:fld>
             <a:endParaRPr lang="en-SG"/>
           </a:p>
@@ -2941,7 +2941,7 @@
           <a:p>
             <a:fld id="{5C73DC13-FB20-4F3B-B568-3E6821065BCD}" type="datetimeFigureOut">
               <a:rPr lang="en-SG" smtClean="0"/>
-              <a:t>14/4/2019</a:t>
+              <a:t>15/4/2019</a:t>
             </a:fld>
             <a:endParaRPr lang="en-SG"/>
           </a:p>
@@ -3372,298 +3372,50 @@
           </p:cNvPicPr>
           <p:nvPr/>
         </p:nvPicPr>
-        <p:blipFill>
+        <p:blipFill rotWithShape="1">
           <a:blip r:embed="rId2"/>
-          <a:stretch>
-            <a:fillRect/>
-          </a:stretch>
+          <a:srcRect t="28491" r="79319" b="5609"/>
+          <a:stretch/>
         </p:blipFill>
         <p:spPr>
           <a:xfrm>
-            <a:off x="0" y="171255"/>
-            <a:ext cx="12192000" cy="6515490"/>
+            <a:off x="132521" y="53009"/>
+            <a:ext cx="2521382" cy="4293703"/>
           </a:xfrm>
           <a:prstGeom prst="rect">
             <a:avLst/>
           </a:prstGeom>
         </p:spPr>
       </p:pic>
-      <p:sp>
-        <p:nvSpPr>
-          <p:cNvPr id="7" name="Text Box 2">
-            <a:extLst>
-              <a:ext uri="{FF2B5EF4-FFF2-40B4-BE49-F238E27FC236}">
-                <a16:creationId xmlns:a16="http://schemas.microsoft.com/office/drawing/2014/main" id="{AD35137F-ADEA-47D4-8455-182485A7F69A}"/>
-              </a:ext>
-            </a:extLst>
-          </p:cNvPr>
-          <p:cNvSpPr txBox="1">
-            <a:spLocks noChangeArrowheads="1"/>
-          </p:cNvSpPr>
+      <p:pic>
+        <p:nvPicPr>
+          <p:cNvPr id="11" name="Picture 10">
+            <a:extLst>
+              <a:ext uri="{FF2B5EF4-FFF2-40B4-BE49-F238E27FC236}">
+                <a16:creationId xmlns:a16="http://schemas.microsoft.com/office/drawing/2014/main" id="{8D5B55BA-EAA2-4BEB-B295-374D7661F292}"/>
+              </a:ext>
+            </a:extLst>
+          </p:cNvPr>
+          <p:cNvPicPr>
+            <a:picLocks noChangeAspect="1"/>
+          </p:cNvPicPr>
           <p:nvPr/>
-        </p:nvSpPr>
-        <p:spPr bwMode="auto">
+        </p:nvPicPr>
+        <p:blipFill rotWithShape="1">
+          <a:blip r:embed="rId3"/>
+          <a:srcRect t="27372" r="79594" b="3010"/>
+          <a:stretch/>
+        </p:blipFill>
+        <p:spPr>
           <a:xfrm>
-            <a:off x="6095999" y="660421"/>
-            <a:ext cx="4982817" cy="337353"/>
+            <a:off x="3167269" y="0"/>
+            <a:ext cx="2550694" cy="4598504"/>
           </a:xfrm>
           <a:prstGeom prst="rect">
             <a:avLst/>
           </a:prstGeom>
-          <a:solidFill>
-            <a:schemeClr val="accent2"/>
-          </a:solidFill>
-          <a:ln w="9525">
-            <a:solidFill>
-              <a:srgbClr val="000000"/>
-            </a:solidFill>
-            <a:miter lim="800000"/>
-            <a:headEnd/>
-            <a:tailEnd/>
-          </a:ln>
-        </p:spPr>
-        <p:txBody>
-          <a:bodyPr rot="0" vert="horz" wrap="square" lIns="91440" tIns="45720" rIns="91440" bIns="45720" anchor="t" anchorCtr="0">
-            <a:noAutofit/>
-          </a:bodyPr>
-          <a:lstStyle/>
-          <a:p>
-            <a:pPr>
-              <a:lnSpc>
-                <a:spcPct val="107000"/>
-              </a:lnSpc>
-              <a:spcAft>
-                <a:spcPts val="800"/>
-              </a:spcAft>
-            </a:pPr>
-            <a:r>
-              <a:rPr lang="en-SG" sz="1200" b="1" dirty="0">
-                <a:solidFill>
-                  <a:schemeClr val="bg1"/>
-                </a:solidFill>
-                <a:effectLst/>
-                <a:latin typeface="Arial Nova Cond" panose="020B0506020202020204" pitchFamily="34" charset="0"/>
-                <a:ea typeface="Calibri" panose="020F0502020204030204" pitchFamily="34" charset="0"/>
-                <a:cs typeface="Times New Roman" panose="02020603050405020304" pitchFamily="18" charset="0"/>
-              </a:rPr>
-              <a:t>1. Type the command to edit </a:t>
-            </a:r>
-            <a:r>
-              <a:rPr lang="en-SG" sz="1200" b="1" dirty="0" err="1">
-                <a:solidFill>
-                  <a:schemeClr val="bg1"/>
-                </a:solidFill>
-                <a:effectLst/>
-                <a:latin typeface="Arial Nova Cond" panose="020B0506020202020204" pitchFamily="34" charset="0"/>
-                <a:ea typeface="Calibri" panose="020F0502020204030204" pitchFamily="34" charset="0"/>
-                <a:cs typeface="Times New Roman" panose="02020603050405020304" pitchFamily="18" charset="0"/>
-              </a:rPr>
-              <a:t>PocketProject</a:t>
-            </a:r>
-            <a:r>
-              <a:rPr lang="en-SG" sz="1200" b="1" dirty="0" err="1">
-                <a:solidFill>
-                  <a:schemeClr val="bg1"/>
-                </a:solidFill>
-                <a:latin typeface="Arial Nova Cond" panose="020B0506020202020204" pitchFamily="34" charset="0"/>
-                <a:ea typeface="Calibri" panose="020F0502020204030204" pitchFamily="34" charset="0"/>
-                <a:cs typeface="Times New Roman" panose="02020603050405020304" pitchFamily="18" charset="0"/>
-              </a:rPr>
-              <a:t>’s</a:t>
-            </a:r>
-            <a:r>
-              <a:rPr lang="en-SG" sz="1200" b="1" dirty="0">
-                <a:solidFill>
-                  <a:schemeClr val="bg1"/>
-                </a:solidFill>
-                <a:latin typeface="Arial Nova Cond" panose="020B0506020202020204" pitchFamily="34" charset="0"/>
-                <a:ea typeface="Calibri" panose="020F0502020204030204" pitchFamily="34" charset="0"/>
-                <a:cs typeface="Times New Roman" panose="02020603050405020304" pitchFamily="18" charset="0"/>
-              </a:rPr>
-              <a:t> </a:t>
-            </a:r>
-            <a:r>
-              <a:rPr lang="en-SG" sz="1200" b="1" dirty="0">
-                <a:solidFill>
-                  <a:schemeClr val="bg1"/>
-                </a:solidFill>
-                <a:effectLst/>
-                <a:latin typeface="Arial Nova Cond" panose="020B0506020202020204" pitchFamily="34" charset="0"/>
-                <a:ea typeface="Calibri" panose="020F0502020204030204" pitchFamily="34" charset="0"/>
-                <a:cs typeface="Times New Roman" panose="02020603050405020304" pitchFamily="18" charset="0"/>
-              </a:rPr>
-              <a:t>description and deadline</a:t>
-            </a:r>
-            <a:endParaRPr lang="en-SG" sz="1200" dirty="0">
-              <a:solidFill>
-                <a:schemeClr val="bg1"/>
-              </a:solidFill>
-              <a:effectLst/>
-              <a:latin typeface="Calibri" panose="020F0502020204030204" pitchFamily="34" charset="0"/>
-              <a:ea typeface="Calibri" panose="020F0502020204030204" pitchFamily="34" charset="0"/>
-              <a:cs typeface="Times New Roman" panose="02020603050405020304" pitchFamily="18" charset="0"/>
-            </a:endParaRPr>
-          </a:p>
-        </p:txBody>
-      </p:sp>
-      <p:cxnSp>
-        <p:nvCxnSpPr>
-          <p:cNvPr id="8" name="Straight Arrow Connector 7">
-            <a:extLst>
-              <a:ext uri="{FF2B5EF4-FFF2-40B4-BE49-F238E27FC236}">
-                <a16:creationId xmlns:a16="http://schemas.microsoft.com/office/drawing/2014/main" id="{BACAC48B-CF9B-4158-AFBC-9D24D55FEE2C}"/>
-              </a:ext>
-            </a:extLst>
-          </p:cNvPr>
-          <p:cNvCxnSpPr>
-            <a:cxnSpLocks/>
-            <a:stCxn id="7" idx="1"/>
-          </p:cNvCxnSpPr>
-          <p:nvPr/>
-        </p:nvCxnSpPr>
-        <p:spPr>
-          <a:xfrm flipH="1">
-            <a:off x="5171505" y="829098"/>
-            <a:ext cx="924494" cy="0"/>
-          </a:xfrm>
-          <a:prstGeom prst="straightConnector1">
-            <a:avLst/>
-          </a:prstGeom>
-          <a:ln>
-            <a:solidFill>
-              <a:schemeClr val="accent2"/>
-            </a:solidFill>
-            <a:tailEnd type="triangle"/>
-          </a:ln>
-        </p:spPr>
-        <p:style>
-          <a:lnRef idx="1">
-            <a:schemeClr val="accent1"/>
-          </a:lnRef>
-          <a:fillRef idx="0">
-            <a:schemeClr val="accent1"/>
-          </a:fillRef>
-          <a:effectRef idx="0">
-            <a:schemeClr val="accent1"/>
-          </a:effectRef>
-          <a:fontRef idx="minor">
-            <a:schemeClr val="tx1"/>
-          </a:fontRef>
-        </p:style>
-      </p:cxnSp>
-      <p:sp>
-        <p:nvSpPr>
-          <p:cNvPr id="5" name="Text Box 2">
-            <a:extLst>
-              <a:ext uri="{FF2B5EF4-FFF2-40B4-BE49-F238E27FC236}">
-                <a16:creationId xmlns:a16="http://schemas.microsoft.com/office/drawing/2014/main" id="{D7CBAB5D-62E7-437F-8642-8F12139210EA}"/>
-              </a:ext>
-            </a:extLst>
-          </p:cNvPr>
-          <p:cNvSpPr txBox="1">
-            <a:spLocks noChangeArrowheads="1"/>
-          </p:cNvSpPr>
-          <p:nvPr/>
-        </p:nvSpPr>
-        <p:spPr bwMode="auto">
-          <a:xfrm>
-            <a:off x="2893165" y="2668397"/>
-            <a:ext cx="1940141" cy="512125"/>
-          </a:xfrm>
-          <a:prstGeom prst="rect">
-            <a:avLst/>
-          </a:prstGeom>
-          <a:solidFill>
-            <a:schemeClr val="accent2"/>
-          </a:solidFill>
-          <a:ln w="9525">
-            <a:solidFill>
-              <a:srgbClr val="000000"/>
-            </a:solidFill>
-            <a:miter lim="800000"/>
-            <a:headEnd/>
-            <a:tailEnd/>
-          </a:ln>
-        </p:spPr>
-        <p:txBody>
-          <a:bodyPr rot="0" vert="horz" wrap="square" lIns="91440" tIns="45720" rIns="91440" bIns="45720" anchor="t" anchorCtr="0">
-            <a:noAutofit/>
-          </a:bodyPr>
-          <a:lstStyle/>
-          <a:p>
-            <a:pPr>
-              <a:lnSpc>
-                <a:spcPct val="107000"/>
-              </a:lnSpc>
-              <a:spcAft>
-                <a:spcPts val="800"/>
-              </a:spcAft>
-            </a:pPr>
-            <a:r>
-              <a:rPr lang="en-SG" sz="1200" b="1" dirty="0">
-                <a:solidFill>
-                  <a:schemeClr val="bg1"/>
-                </a:solidFill>
-                <a:latin typeface="Arial Nova Cond" panose="020B0506020202020204" pitchFamily="34" charset="0"/>
-                <a:ea typeface="Calibri" panose="020F0502020204030204" pitchFamily="34" charset="0"/>
-                <a:cs typeface="Times New Roman" panose="02020603050405020304" pitchFamily="18" charset="0"/>
-              </a:rPr>
-              <a:t>2. The target project to be edited is here</a:t>
-            </a:r>
-            <a:endParaRPr lang="en-SG" sz="1200" dirty="0">
-              <a:solidFill>
-                <a:schemeClr val="bg1"/>
-              </a:solidFill>
-              <a:effectLst/>
-              <a:latin typeface="Calibri" panose="020F0502020204030204" pitchFamily="34" charset="0"/>
-              <a:ea typeface="Calibri" panose="020F0502020204030204" pitchFamily="34" charset="0"/>
-              <a:cs typeface="Times New Roman" panose="02020603050405020304" pitchFamily="18" charset="0"/>
-            </a:endParaRPr>
-          </a:p>
-        </p:txBody>
-      </p:sp>
-      <p:cxnSp>
-        <p:nvCxnSpPr>
-          <p:cNvPr id="9" name="Straight Arrow Connector 8">
-            <a:extLst>
-              <a:ext uri="{FF2B5EF4-FFF2-40B4-BE49-F238E27FC236}">
-                <a16:creationId xmlns:a16="http://schemas.microsoft.com/office/drawing/2014/main" id="{8431B657-C880-4B1F-A792-0F6717501E80}"/>
-              </a:ext>
-            </a:extLst>
-          </p:cNvPr>
-          <p:cNvCxnSpPr>
-            <a:cxnSpLocks/>
-            <a:stCxn id="5" idx="1"/>
-          </p:cNvCxnSpPr>
-          <p:nvPr/>
-        </p:nvCxnSpPr>
-        <p:spPr>
-          <a:xfrm flipH="1">
-            <a:off x="1507789" y="2924460"/>
-            <a:ext cx="1385376" cy="183754"/>
-          </a:xfrm>
-          <a:prstGeom prst="straightConnector1">
-            <a:avLst/>
-          </a:prstGeom>
-          <a:ln>
-            <a:tailEnd type="triangle"/>
-          </a:ln>
-        </p:spPr>
-        <p:style>
-          <a:lnRef idx="1">
-            <a:schemeClr val="accent2"/>
-          </a:lnRef>
-          <a:fillRef idx="0">
-            <a:schemeClr val="accent2"/>
-          </a:fillRef>
-          <a:effectRef idx="0">
-            <a:schemeClr val="accent2"/>
-          </a:effectRef>
-          <a:fontRef idx="minor">
-            <a:schemeClr val="tx1"/>
-          </a:fontRef>
-        </p:style>
-      </p:cxnSp>
+        </p:spPr>
+      </p:pic>
     </p:spTree>
     <p:extLst>
       <p:ext uri="{BB962C8B-B14F-4D97-AF65-F5344CB8AC3E}">
@@ -3696,10 +3448,10 @@
       </p:grpSpPr>
       <p:pic>
         <p:nvPicPr>
-          <p:cNvPr id="11" name="Picture 10">
-            <a:extLst>
-              <a:ext uri="{FF2B5EF4-FFF2-40B4-BE49-F238E27FC236}">
-                <a16:creationId xmlns:a16="http://schemas.microsoft.com/office/drawing/2014/main" id="{E5ADD7BE-B99C-4CB1-AE05-51F640F1E7D9}"/>
+          <p:cNvPr id="2" name="Picture 1">
+            <a:extLst>
+              <a:ext uri="{FF2B5EF4-FFF2-40B4-BE49-F238E27FC236}">
+                <a16:creationId xmlns:a16="http://schemas.microsoft.com/office/drawing/2014/main" id="{7BB51767-F75D-48B5-BAC7-4BEEEF7DB110}"/>
               </a:ext>
             </a:extLst>
           </p:cNvPr>
@@ -3750,9 +3502,7 @@
             <a:schemeClr val="accent2"/>
           </a:solidFill>
           <a:ln w="9525">
-            <a:solidFill>
-              <a:srgbClr val="000000"/>
-            </a:solidFill>
+            <a:noFill/>
             <a:miter lim="800000"/>
             <a:headEnd/>
             <a:tailEnd/>
@@ -3773,7 +3523,7 @@
               </a:spcAft>
             </a:pPr>
             <a:r>
-              <a:rPr lang="en-SG" sz="1200" b="1" dirty="0">
+              <a:rPr lang="en-SG" sz="1400" b="1" dirty="0">
                 <a:solidFill>
                   <a:schemeClr val="bg1"/>
                 </a:solidFill>
@@ -3782,9 +3532,32 @@
                 <a:ea typeface="Calibri" panose="020F0502020204030204" pitchFamily="34" charset="0"/>
                 <a:cs typeface="Times New Roman" panose="02020603050405020304" pitchFamily="18" charset="0"/>
               </a:rPr>
-              <a:t>1. Type the command to find project which contain the word management in the name or the description</a:t>
-            </a:r>
-            <a:endParaRPr lang="en-SG" sz="1200" dirty="0">
+              <a:t>1. Type the command to find project which contain the word management in the name</a:t>
+            </a:r>
+            <a:r>
+              <a:rPr lang="en-SG" sz="1400" b="1" dirty="0">
+                <a:solidFill>
+                  <a:schemeClr val="bg1"/>
+                </a:solidFill>
+                <a:latin typeface="Arial Nova Cond" panose="020B0506020202020204" pitchFamily="34" charset="0"/>
+                <a:ea typeface="Calibri" panose="020F0502020204030204" pitchFamily="34" charset="0"/>
+                <a:cs typeface="Times New Roman" panose="02020603050405020304" pitchFamily="18" charset="0"/>
+              </a:rPr>
+              <a:t>,</a:t>
+            </a:r>
+            <a:r>
+              <a:rPr lang="en-SG" sz="1400" b="1" dirty="0">
+                <a:solidFill>
+                  <a:schemeClr val="bg1"/>
+                </a:solidFill>
+                <a:effectLst/>
+                <a:latin typeface="Arial Nova Cond" panose="020B0506020202020204" pitchFamily="34" charset="0"/>
+                <a:ea typeface="Calibri" panose="020F0502020204030204" pitchFamily="34" charset="0"/>
+                <a:cs typeface="Times New Roman" panose="02020603050405020304" pitchFamily="18" charset="0"/>
+              </a:rPr>
+              <a:t> description or client</a:t>
+            </a:r>
+            <a:endParaRPr lang="en-SG" sz="1400" dirty="0">
               <a:solidFill>
                 <a:schemeClr val="bg1"/>
               </a:solidFill>
@@ -3855,8 +3628,8 @@
         </p:nvSpPr>
         <p:spPr>
           <a:xfrm>
-            <a:off x="2373436" y="2393260"/>
-            <a:ext cx="462529" cy="2316629"/>
+            <a:off x="2464904" y="2393260"/>
+            <a:ext cx="371061" cy="3490705"/>
           </a:xfrm>
           <a:prstGeom prst="rightBrace">
             <a:avLst/>
@@ -3916,9 +3689,7 @@
             <a:schemeClr val="accent2"/>
           </a:solidFill>
           <a:ln w="9525">
-            <a:solidFill>
-              <a:srgbClr val="000000"/>
-            </a:solidFill>
+            <a:noFill/>
             <a:miter lim="800000"/>
             <a:headEnd/>
             <a:tailEnd/>
@@ -4050,8 +3821,8 @@
         </p:nvSpPr>
         <p:spPr bwMode="auto">
           <a:xfrm>
-            <a:off x="1944918" y="1370574"/>
-            <a:ext cx="2892130" cy="471543"/>
+            <a:off x="1944917" y="1370574"/>
+            <a:ext cx="3170422" cy="561958"/>
           </a:xfrm>
           <a:prstGeom prst="rect">
             <a:avLst/>
@@ -4060,9 +3831,7 @@
             <a:schemeClr val="accent2"/>
           </a:solidFill>
           <a:ln w="9525">
-            <a:solidFill>
-              <a:srgbClr val="000000"/>
-            </a:solidFill>
+            <a:noFill/>
             <a:miter lim="800000"/>
             <a:headEnd/>
             <a:tailEnd/>
@@ -4083,7 +3852,7 @@
               </a:spcAft>
             </a:pPr>
             <a:r>
-              <a:rPr lang="en-SG" sz="1200" b="1" dirty="0">
+              <a:rPr lang="en-SG" sz="1400" b="1" dirty="0">
                 <a:solidFill>
                   <a:schemeClr val="bg1"/>
                 </a:solidFill>
@@ -4093,7 +3862,7 @@
               </a:rPr>
               <a:t>2. The success message with number of projects found is shown</a:t>
             </a:r>
-            <a:endParaRPr lang="en-SG" sz="2000" dirty="0">
+            <a:endParaRPr lang="en-SG" sz="2400" dirty="0">
               <a:solidFill>
                 <a:schemeClr val="bg1"/>
               </a:solidFill>
@@ -4150,6 +3919,43 @@
           </a:fontRef>
         </p:style>
       </p:cxnSp>
+      <p:sp>
+        <p:nvSpPr>
+          <p:cNvPr id="14" name="TextBox 13">
+            <a:extLst>
+              <a:ext uri="{FF2B5EF4-FFF2-40B4-BE49-F238E27FC236}">
+                <a16:creationId xmlns:a16="http://schemas.microsoft.com/office/drawing/2014/main" id="{056CA053-E021-4453-B5B4-968454E1049B}"/>
+              </a:ext>
+            </a:extLst>
+          </p:cNvPr>
+          <p:cNvSpPr txBox="1"/>
+          <p:nvPr/>
+        </p:nvSpPr>
+        <p:spPr>
+          <a:xfrm>
+            <a:off x="345141" y="5241234"/>
+            <a:ext cx="608430" cy="251793"/>
+          </a:xfrm>
+          <a:prstGeom prst="rect">
+            <a:avLst/>
+          </a:prstGeom>
+          <a:noFill/>
+          <a:ln w="57150">
+            <a:solidFill>
+              <a:schemeClr val="accent2"/>
+            </a:solidFill>
+          </a:ln>
+        </p:spPr>
+        <p:txBody>
+          <a:bodyPr wrap="square" rtlCol="0">
+            <a:spAutoFit/>
+          </a:bodyPr>
+          <a:lstStyle/>
+          <a:p>
+            <a:endParaRPr lang="en-SG" dirty="0"/>
+          </a:p>
+        </p:txBody>
+      </p:sp>
     </p:spTree>
     <p:extLst>
       <p:ext uri="{BB962C8B-B14F-4D97-AF65-F5344CB8AC3E}">
@@ -4622,112 +4428,12 @@
           <a:chExt cx="0" cy="0"/>
         </a:xfrm>
       </p:grpSpPr>
-      <p:pic>
-        <p:nvPicPr>
-          <p:cNvPr id="2" name="Picture 1">
-            <a:extLst>
-              <a:ext uri="{FF2B5EF4-FFF2-40B4-BE49-F238E27FC236}">
-                <a16:creationId xmlns:a16="http://schemas.microsoft.com/office/drawing/2014/main" id="{95C66F40-E32E-4DFE-A23A-0ACE05BF5C20}"/>
-              </a:ext>
-            </a:extLst>
-          </p:cNvPr>
-          <p:cNvPicPr>
-            <a:picLocks noChangeAspect="1"/>
-          </p:cNvPicPr>
-          <p:nvPr/>
-        </p:nvPicPr>
-        <p:blipFill>
-          <a:blip r:embed="rId2"/>
-          <a:stretch>
-            <a:fillRect/>
-          </a:stretch>
-        </p:blipFill>
-        <p:spPr>
-          <a:xfrm>
-            <a:off x="0" y="171255"/>
-            <a:ext cx="12192000" cy="6515490"/>
-          </a:xfrm>
-          <a:prstGeom prst="rect">
-            <a:avLst/>
-          </a:prstGeom>
-        </p:spPr>
-      </p:pic>
-      <p:sp>
-        <p:nvSpPr>
-          <p:cNvPr id="3" name="Text Box 2">
-            <a:extLst>
-              <a:ext uri="{FF2B5EF4-FFF2-40B4-BE49-F238E27FC236}">
-                <a16:creationId xmlns:a16="http://schemas.microsoft.com/office/drawing/2014/main" id="{00FF15A1-49B7-44E4-8D05-DC29F193D88A}"/>
-              </a:ext>
-            </a:extLst>
-          </p:cNvPr>
-          <p:cNvSpPr txBox="1">
-            <a:spLocks noChangeArrowheads="1"/>
-          </p:cNvSpPr>
-          <p:nvPr/>
-        </p:nvSpPr>
-        <p:spPr bwMode="auto">
-          <a:xfrm>
-            <a:off x="2687036" y="1370506"/>
-            <a:ext cx="2892130" cy="378781"/>
-          </a:xfrm>
-          <a:prstGeom prst="rect">
-            <a:avLst/>
-          </a:prstGeom>
-          <a:solidFill>
-            <a:schemeClr val="accent2"/>
-          </a:solidFill>
-          <a:ln w="9525">
-            <a:solidFill>
-              <a:srgbClr val="000000"/>
-            </a:solidFill>
-            <a:miter lim="800000"/>
-            <a:headEnd/>
-            <a:tailEnd/>
-          </a:ln>
-        </p:spPr>
-        <p:txBody>
-          <a:bodyPr rot="0" vert="horz" wrap="square" lIns="91440" tIns="45720" rIns="91440" bIns="45720" anchor="t" anchorCtr="0">
-            <a:noAutofit/>
-          </a:bodyPr>
-          <a:lstStyle/>
-          <a:p>
-            <a:pPr>
-              <a:lnSpc>
-                <a:spcPct val="107000"/>
-              </a:lnSpc>
-              <a:spcAft>
-                <a:spcPts val="800"/>
-              </a:spcAft>
-            </a:pPr>
-            <a:r>
-              <a:rPr lang="en-SG" sz="1200" b="1" dirty="0">
-                <a:solidFill>
-                  <a:schemeClr val="bg1"/>
-                </a:solidFill>
-                <a:latin typeface="Arial Nova Cond" panose="020B0506020202020204" pitchFamily="34" charset="0"/>
-                <a:ea typeface="Calibri" panose="020F0502020204030204" pitchFamily="34" charset="0"/>
-                <a:cs typeface="Times New Roman" panose="02020603050405020304" pitchFamily="18" charset="0"/>
-              </a:rPr>
-              <a:t>2. The success message will be shown</a:t>
-            </a:r>
-            <a:endParaRPr lang="en-SG" sz="2000" dirty="0">
-              <a:solidFill>
-                <a:schemeClr val="bg1"/>
-              </a:solidFill>
-              <a:latin typeface="Calibri" panose="020F0502020204030204" pitchFamily="34" charset="0"/>
-              <a:ea typeface="Calibri" panose="020F0502020204030204" pitchFamily="34" charset="0"/>
-              <a:cs typeface="Times New Roman" panose="02020603050405020304" pitchFamily="18" charset="0"/>
-            </a:endParaRPr>
-          </a:p>
-        </p:txBody>
-      </p:sp>
       <p:cxnSp>
         <p:nvCxnSpPr>
-          <p:cNvPr id="4" name="Connector: Elbow 3">
-            <a:extLst>
-              <a:ext uri="{FF2B5EF4-FFF2-40B4-BE49-F238E27FC236}">
-                <a16:creationId xmlns:a16="http://schemas.microsoft.com/office/drawing/2014/main" id="{6E5152EA-1D29-415D-8224-E5487F108BE4}"/>
+          <p:cNvPr id="6" name="Connector: Elbow 5">
+            <a:extLst>
+              <a:ext uri="{FF2B5EF4-FFF2-40B4-BE49-F238E27FC236}">
+                <a16:creationId xmlns:a16="http://schemas.microsoft.com/office/drawing/2014/main" id="{8F37763F-AE44-44E3-ABD9-877E7E8CBDED}"/>
               </a:ext>
             </a:extLst>
           </p:cNvPr>
@@ -4738,12 +4444,12 @@
         </p:nvCxnSpPr>
         <p:spPr>
           <a:xfrm rot="10800000">
-            <a:off x="1940479" y="1370507"/>
-            <a:ext cx="746560" cy="225767"/>
+            <a:off x="8298953" y="3255014"/>
+            <a:ext cx="791977" cy="1"/>
           </a:xfrm>
           <a:prstGeom prst="bentConnector3">
             <a:avLst>
-              <a:gd name="adj1" fmla="val 99944"/>
+              <a:gd name="adj1" fmla="val 50000"/>
             </a:avLst>
           </a:prstGeom>
           <a:ln>
@@ -4768,12 +4474,70 @@
           </a:fontRef>
         </p:style>
       </p:cxnSp>
-      <p:sp>
-        <p:nvSpPr>
-          <p:cNvPr id="5" name="Text Box 2">
-            <a:extLst>
-              <a:ext uri="{FF2B5EF4-FFF2-40B4-BE49-F238E27FC236}">
-                <a16:creationId xmlns:a16="http://schemas.microsoft.com/office/drawing/2014/main" id="{1A75593C-6505-48DE-9E5D-3A5A8BC24BC8}"/>
+      <p:pic>
+        <p:nvPicPr>
+          <p:cNvPr id="12" name="Picture 11">
+            <a:extLst>
+              <a:ext uri="{FF2B5EF4-FFF2-40B4-BE49-F238E27FC236}">
+                <a16:creationId xmlns:a16="http://schemas.microsoft.com/office/drawing/2014/main" id="{DAF61CD2-AE24-4399-8C8D-C997CB333D0B}"/>
+              </a:ext>
+            </a:extLst>
+          </p:cNvPr>
+          <p:cNvPicPr>
+            <a:picLocks noChangeAspect="1"/>
+          </p:cNvPicPr>
+          <p:nvPr/>
+        </p:nvPicPr>
+        <p:blipFill rotWithShape="1">
+          <a:blip r:embed="rId2"/>
+          <a:srcRect l="43086" t="30271" r="22742" b="5863"/>
+          <a:stretch/>
+        </p:blipFill>
+        <p:spPr>
+          <a:xfrm>
+            <a:off x="1891906" y="1048048"/>
+            <a:ext cx="4204094" cy="4161180"/>
+          </a:xfrm>
+          <a:prstGeom prst="rect">
+            <a:avLst/>
+          </a:prstGeom>
+        </p:spPr>
+      </p:pic>
+      <p:pic>
+        <p:nvPicPr>
+          <p:cNvPr id="13" name="Picture 12">
+            <a:extLst>
+              <a:ext uri="{FF2B5EF4-FFF2-40B4-BE49-F238E27FC236}">
+                <a16:creationId xmlns:a16="http://schemas.microsoft.com/office/drawing/2014/main" id="{EFB48B39-DC6E-43AF-94E4-B403388742AD}"/>
+              </a:ext>
+            </a:extLst>
+          </p:cNvPr>
+          <p:cNvPicPr>
+            <a:picLocks noChangeAspect="1"/>
+          </p:cNvPicPr>
+          <p:nvPr/>
+        </p:nvPicPr>
+        <p:blipFill rotWithShape="1">
+          <a:blip r:embed="rId3"/>
+          <a:srcRect l="42691" t="31258" r="22635" b="5609"/>
+          <a:stretch/>
+        </p:blipFill>
+        <p:spPr>
+          <a:xfrm>
+            <a:off x="6437819" y="1048048"/>
+            <a:ext cx="4276563" cy="4161179"/>
+          </a:xfrm>
+          <a:prstGeom prst="rect">
+            <a:avLst/>
+          </a:prstGeom>
+        </p:spPr>
+      </p:pic>
+      <p:sp>
+        <p:nvSpPr>
+          <p:cNvPr id="15" name="Text Box 2">
+            <a:extLst>
+              <a:ext uri="{FF2B5EF4-FFF2-40B4-BE49-F238E27FC236}">
+                <a16:creationId xmlns:a16="http://schemas.microsoft.com/office/drawing/2014/main" id="{0477C655-C4BB-405C-A13D-2AAAFCA7E4C6}"/>
               </a:ext>
             </a:extLst>
           </p:cNvPr>
@@ -4784,8 +4548,8 @@
         </p:nvSpPr>
         <p:spPr bwMode="auto">
           <a:xfrm>
-            <a:off x="9090925" y="3029245"/>
-            <a:ext cx="2677005" cy="442805"/>
+            <a:off x="1891906" y="641942"/>
+            <a:ext cx="936712" cy="406106"/>
           </a:xfrm>
           <a:prstGeom prst="rect">
             <a:avLst/>
@@ -4794,9 +4558,7 @@
             <a:schemeClr val="accent2"/>
           </a:solidFill>
           <a:ln w="9525">
-            <a:solidFill>
-              <a:srgbClr val="000000"/>
-            </a:solidFill>
+            <a:noFill/>
             <a:miter lim="800000"/>
             <a:headEnd/>
             <a:tailEnd/>
@@ -4817,20 +4579,22 @@
               </a:spcAft>
             </a:pPr>
             <a:r>
-              <a:rPr lang="en-SG" sz="1200" b="1" dirty="0">
+              <a:rPr lang="en-SG" sz="2000" b="1" dirty="0">
                 <a:solidFill>
                   <a:schemeClr val="bg1"/>
                 </a:solidFill>
+                <a:effectLst/>
                 <a:latin typeface="Arial Nova Cond" panose="020B0506020202020204" pitchFamily="34" charset="0"/>
                 <a:ea typeface="Calibri" panose="020F0502020204030204" pitchFamily="34" charset="0"/>
                 <a:cs typeface="Times New Roman" panose="02020603050405020304" pitchFamily="18" charset="0"/>
               </a:rPr>
-              <a:t>3. The changes made to the description is reflected here</a:t>
+              <a:t>Before</a:t>
             </a:r>
             <a:endParaRPr lang="en-SG" sz="2000" dirty="0">
               <a:solidFill>
                 <a:schemeClr val="bg1"/>
               </a:solidFill>
+              <a:effectLst/>
               <a:latin typeface="Calibri" panose="020F0502020204030204" pitchFamily="34" charset="0"/>
               <a:ea typeface="Calibri" panose="020F0502020204030204" pitchFamily="34" charset="0"/>
               <a:cs typeface="Times New Roman" panose="02020603050405020304" pitchFamily="18" charset="0"/>
@@ -4838,58 +4602,12 @@
           </a:p>
         </p:txBody>
       </p:sp>
-      <p:cxnSp>
-        <p:nvCxnSpPr>
-          <p:cNvPr id="6" name="Connector: Elbow 5">
-            <a:extLst>
-              <a:ext uri="{FF2B5EF4-FFF2-40B4-BE49-F238E27FC236}">
-                <a16:creationId xmlns:a16="http://schemas.microsoft.com/office/drawing/2014/main" id="{8F37763F-AE44-44E3-ABD9-877E7E8CBDED}"/>
-              </a:ext>
-            </a:extLst>
-          </p:cNvPr>
-          <p:cNvCxnSpPr>
-            <a:cxnSpLocks/>
-          </p:cNvCxnSpPr>
-          <p:nvPr/>
-        </p:nvCxnSpPr>
-        <p:spPr>
-          <a:xfrm rot="10800000">
-            <a:off x="8298953" y="3255014"/>
-            <a:ext cx="791977" cy="1"/>
-          </a:xfrm>
-          <a:prstGeom prst="bentConnector3">
-            <a:avLst>
-              <a:gd name="adj1" fmla="val 50000"/>
-            </a:avLst>
-          </a:prstGeom>
-          <a:ln>
-            <a:solidFill>
-              <a:schemeClr val="accent2"/>
-            </a:solidFill>
-            <a:tailEnd type="triangle"/>
-          </a:ln>
-        </p:spPr>
-        <p:style>
-          <a:lnRef idx="1">
-            <a:schemeClr val="accent2"/>
-          </a:lnRef>
-          <a:fillRef idx="0">
-            <a:schemeClr val="accent2"/>
-          </a:fillRef>
-          <a:effectRef idx="0">
-            <a:schemeClr val="accent2"/>
-          </a:effectRef>
-          <a:fontRef idx="minor">
-            <a:schemeClr val="tx1"/>
-          </a:fontRef>
-        </p:style>
-      </p:cxnSp>
-      <p:sp>
-        <p:nvSpPr>
-          <p:cNvPr id="7" name="Text Box 2">
-            <a:extLst>
-              <a:ext uri="{FF2B5EF4-FFF2-40B4-BE49-F238E27FC236}">
-                <a16:creationId xmlns:a16="http://schemas.microsoft.com/office/drawing/2014/main" id="{9B8C2D61-5EE2-4E97-959F-218C36FE496D}"/>
+      <p:sp>
+        <p:nvSpPr>
+          <p:cNvPr id="16" name="Text Box 2">
+            <a:extLst>
+              <a:ext uri="{FF2B5EF4-FFF2-40B4-BE49-F238E27FC236}">
+                <a16:creationId xmlns:a16="http://schemas.microsoft.com/office/drawing/2014/main" id="{B2288A4E-05F7-451F-BA41-3062DF4745FD}"/>
               </a:ext>
             </a:extLst>
           </p:cNvPr>
@@ -4900,8 +4618,8 @@
         </p:nvSpPr>
         <p:spPr bwMode="auto">
           <a:xfrm>
-            <a:off x="1663080" y="2959691"/>
-            <a:ext cx="2677005" cy="442805"/>
+            <a:off x="6437819" y="641942"/>
+            <a:ext cx="936712" cy="406106"/>
           </a:xfrm>
           <a:prstGeom prst="rect">
             <a:avLst/>
@@ -4910,9 +4628,7 @@
             <a:schemeClr val="accent2"/>
           </a:solidFill>
           <a:ln w="9525">
-            <a:solidFill>
-              <a:srgbClr val="000000"/>
-            </a:solidFill>
+            <a:noFill/>
             <a:miter lim="800000"/>
             <a:headEnd/>
             <a:tailEnd/>
@@ -4933,20 +4649,22 @@
               </a:spcAft>
             </a:pPr>
             <a:r>
-              <a:rPr lang="en-SG" sz="1200" b="1" dirty="0">
+              <a:rPr lang="en-SG" sz="2000" b="1" dirty="0">
                 <a:solidFill>
                   <a:schemeClr val="bg1"/>
                 </a:solidFill>
+                <a:effectLst/>
                 <a:latin typeface="Arial Nova Cond" panose="020B0506020202020204" pitchFamily="34" charset="0"/>
                 <a:ea typeface="Calibri" panose="020F0502020204030204" pitchFamily="34" charset="0"/>
                 <a:cs typeface="Times New Roman" panose="02020603050405020304" pitchFamily="18" charset="0"/>
               </a:rPr>
-              <a:t>4. The deadline has been updated</a:t>
+              <a:t>After</a:t>
             </a:r>
             <a:endParaRPr lang="en-SG" sz="2000" dirty="0">
               <a:solidFill>
                 <a:schemeClr val="bg1"/>
               </a:solidFill>
+              <a:effectLst/>
               <a:latin typeface="Calibri" panose="020F0502020204030204" pitchFamily="34" charset="0"/>
               <a:ea typeface="Calibri" panose="020F0502020204030204" pitchFamily="34" charset="0"/>
               <a:cs typeface="Times New Roman" panose="02020603050405020304" pitchFamily="18" charset="0"/>
@@ -4954,58 +4672,12 @@
           </a:p>
         </p:txBody>
       </p:sp>
-      <p:cxnSp>
-        <p:nvCxnSpPr>
-          <p:cNvPr id="8" name="Connector: Elbow 7">
-            <a:extLst>
-              <a:ext uri="{FF2B5EF4-FFF2-40B4-BE49-F238E27FC236}">
-                <a16:creationId xmlns:a16="http://schemas.microsoft.com/office/drawing/2014/main" id="{98014D1E-C66A-44F1-B05A-42A5E8EAB9A5}"/>
-              </a:ext>
-            </a:extLst>
-          </p:cNvPr>
-          <p:cNvCxnSpPr>
-            <a:cxnSpLocks/>
-          </p:cNvCxnSpPr>
-          <p:nvPr/>
-        </p:nvCxnSpPr>
-        <p:spPr>
-          <a:xfrm rot="10800000">
-            <a:off x="871108" y="3185460"/>
-            <a:ext cx="791977" cy="1"/>
-          </a:xfrm>
-          <a:prstGeom prst="bentConnector3">
-            <a:avLst>
-              <a:gd name="adj1" fmla="val 50000"/>
-            </a:avLst>
-          </a:prstGeom>
-          <a:ln>
-            <a:solidFill>
-              <a:schemeClr val="accent2"/>
-            </a:solidFill>
-            <a:tailEnd type="triangle"/>
-          </a:ln>
-        </p:spPr>
-        <p:style>
-          <a:lnRef idx="1">
-            <a:schemeClr val="accent2"/>
-          </a:lnRef>
-          <a:fillRef idx="0">
-            <a:schemeClr val="accent2"/>
-          </a:fillRef>
-          <a:effectRef idx="0">
-            <a:schemeClr val="accent2"/>
-          </a:effectRef>
-          <a:fontRef idx="minor">
-            <a:schemeClr val="tx1"/>
-          </a:fontRef>
-        </p:style>
-      </p:cxnSp>
-      <p:sp>
-        <p:nvSpPr>
-          <p:cNvPr id="9" name="Text Box 2">
-            <a:extLst>
-              <a:ext uri="{FF2B5EF4-FFF2-40B4-BE49-F238E27FC236}">
-                <a16:creationId xmlns:a16="http://schemas.microsoft.com/office/drawing/2014/main" id="{2CB38B1D-6E2D-473F-BC2A-7EA4EA493846}"/>
+      <p:sp>
+        <p:nvSpPr>
+          <p:cNvPr id="17" name="Text Box 2">
+            <a:extLst>
+              <a:ext uri="{FF2B5EF4-FFF2-40B4-BE49-F238E27FC236}">
+                <a16:creationId xmlns:a16="http://schemas.microsoft.com/office/drawing/2014/main" id="{6AC34E49-C242-4726-9519-9B6F8CEAE769}"/>
               </a:ext>
             </a:extLst>
           </p:cNvPr>
@@ -5016,8 +4688,8 @@
         </p:nvSpPr>
         <p:spPr bwMode="auto">
           <a:xfrm>
-            <a:off x="8037377" y="5209227"/>
-            <a:ext cx="2677005" cy="442805"/>
+            <a:off x="4971699" y="2519477"/>
+            <a:ext cx="2248602" cy="406107"/>
           </a:xfrm>
           <a:prstGeom prst="rect">
             <a:avLst/>
@@ -5026,9 +4698,7 @@
             <a:schemeClr val="accent2"/>
           </a:solidFill>
           <a:ln w="9525">
-            <a:solidFill>
-              <a:srgbClr val="000000"/>
-            </a:solidFill>
+            <a:noFill/>
             <a:miter lim="800000"/>
             <a:headEnd/>
             <a:tailEnd/>
@@ -5049,7 +4719,19 @@
               </a:spcAft>
             </a:pPr>
             <a:r>
-              <a:rPr lang="en-SG" sz="1200" b="1" dirty="0">
+              <a:rPr lang="en-SG" sz="1400" b="1" dirty="0">
+                <a:solidFill>
+                  <a:schemeClr val="bg1"/>
+                </a:solidFill>
+                <a:effectLst/>
+                <a:latin typeface="Arial Nova Cond" panose="020B0506020202020204" pitchFamily="34" charset="0"/>
+                <a:ea typeface="Calibri" panose="020F0502020204030204" pitchFamily="34" charset="0"/>
+                <a:cs typeface="Times New Roman" panose="02020603050405020304" pitchFamily="18" charset="0"/>
+              </a:rPr>
+              <a:t>Th</a:t>
+            </a:r>
+            <a:r>
+              <a:rPr lang="en-SG" sz="1400" b="1" dirty="0">
                 <a:solidFill>
                   <a:schemeClr val="bg1"/>
                 </a:solidFill>
@@ -5057,12 +4739,13 @@
                 <a:ea typeface="Calibri" panose="020F0502020204030204" pitchFamily="34" charset="0"/>
                 <a:cs typeface="Times New Roman" panose="02020603050405020304" pitchFamily="18" charset="0"/>
               </a:rPr>
-              <a:t>4. The changes made to the deadline is reflected here</a:t>
-            </a:r>
-            <a:endParaRPr lang="en-SG" sz="2000" dirty="0">
+              <a:t>e description is changed</a:t>
+            </a:r>
+            <a:endParaRPr lang="en-SG" sz="1400" dirty="0">
               <a:solidFill>
                 <a:schemeClr val="bg1"/>
               </a:solidFill>
+              <a:effectLst/>
               <a:latin typeface="Calibri" panose="020F0502020204030204" pitchFamily="34" charset="0"/>
               <a:ea typeface="Calibri" panose="020F0502020204030204" pitchFamily="34" charset="0"/>
               <a:cs typeface="Times New Roman" panose="02020603050405020304" pitchFamily="18" charset="0"/>
@@ -5072,10 +4755,10 @@
       </p:sp>
       <p:cxnSp>
         <p:nvCxnSpPr>
-          <p:cNvPr id="10" name="Connector: Elbow 9">
-            <a:extLst>
-              <a:ext uri="{FF2B5EF4-FFF2-40B4-BE49-F238E27FC236}">
-                <a16:creationId xmlns:a16="http://schemas.microsoft.com/office/drawing/2014/main" id="{880566DE-F8A3-46DF-9D24-3EE2A16C4FDE}"/>
+          <p:cNvPr id="18" name="Straight Arrow Connector 17">
+            <a:extLst>
+              <a:ext uri="{FF2B5EF4-FFF2-40B4-BE49-F238E27FC236}">
+                <a16:creationId xmlns:a16="http://schemas.microsoft.com/office/drawing/2014/main" id="{D192C62D-467E-46A4-94D3-38F91D103A50}"/>
               </a:ext>
             </a:extLst>
           </p:cNvPr>
@@ -5085,14 +4768,12 @@
           <p:nvPr/>
         </p:nvCxnSpPr>
         <p:spPr>
-          <a:xfrm rot="10800000">
-            <a:off x="7245405" y="5434996"/>
-            <a:ext cx="791977" cy="1"/>
-          </a:xfrm>
-          <a:prstGeom prst="bentConnector3">
-            <a:avLst>
-              <a:gd name="adj1" fmla="val 50000"/>
-            </a:avLst>
+          <a:xfrm flipH="1" flipV="1">
+            <a:off x="4893209" y="2127811"/>
+            <a:ext cx="1083521" cy="391666"/>
+          </a:xfrm>
+          <a:prstGeom prst="straightConnector1">
+            <a:avLst/>
           </a:prstGeom>
           <a:ln>
             <a:solidFill>
@@ -5103,13 +4784,226 @@
         </p:spPr>
         <p:style>
           <a:lnRef idx="1">
-            <a:schemeClr val="accent2"/>
+            <a:schemeClr val="accent1"/>
           </a:lnRef>
           <a:fillRef idx="0">
-            <a:schemeClr val="accent2"/>
+            <a:schemeClr val="accent1"/>
           </a:fillRef>
           <a:effectRef idx="0">
+            <a:schemeClr val="accent1"/>
+          </a:effectRef>
+          <a:fontRef idx="minor">
+            <a:schemeClr val="tx1"/>
+          </a:fontRef>
+        </p:style>
+      </p:cxnSp>
+      <p:cxnSp>
+        <p:nvCxnSpPr>
+          <p:cNvPr id="20" name="Straight Arrow Connector 19">
+            <a:extLst>
+              <a:ext uri="{FF2B5EF4-FFF2-40B4-BE49-F238E27FC236}">
+                <a16:creationId xmlns:a16="http://schemas.microsoft.com/office/drawing/2014/main" id="{509EB558-193A-4470-89BB-771432F9DD1E}"/>
+              </a:ext>
+            </a:extLst>
+          </p:cNvPr>
+          <p:cNvCxnSpPr>
+            <a:cxnSpLocks/>
+          </p:cNvCxnSpPr>
+          <p:nvPr/>
+        </p:nvCxnSpPr>
+        <p:spPr>
+          <a:xfrm flipV="1">
+            <a:off x="6318549" y="2119073"/>
+            <a:ext cx="587626" cy="400404"/>
+          </a:xfrm>
+          <a:prstGeom prst="straightConnector1">
+            <a:avLst/>
+          </a:prstGeom>
+          <a:ln>
+            <a:solidFill>
+              <a:schemeClr val="accent2"/>
+            </a:solidFill>
+            <a:tailEnd type="triangle"/>
+          </a:ln>
+        </p:spPr>
+        <p:style>
+          <a:lnRef idx="1">
+            <a:schemeClr val="accent1"/>
+          </a:lnRef>
+          <a:fillRef idx="0">
+            <a:schemeClr val="accent1"/>
+          </a:fillRef>
+          <a:effectRef idx="0">
+            <a:schemeClr val="accent1"/>
+          </a:effectRef>
+          <a:fontRef idx="minor">
+            <a:schemeClr val="tx1"/>
+          </a:fontRef>
+        </p:style>
+      </p:cxnSp>
+      <p:sp>
+        <p:nvSpPr>
+          <p:cNvPr id="24" name="Text Box 2">
+            <a:extLst>
+              <a:ext uri="{FF2B5EF4-FFF2-40B4-BE49-F238E27FC236}">
+                <a16:creationId xmlns:a16="http://schemas.microsoft.com/office/drawing/2014/main" id="{7E7C20D7-A2EA-4950-A175-DA3EC9E561A5}"/>
+              </a:ext>
+            </a:extLst>
+          </p:cNvPr>
+          <p:cNvSpPr txBox="1">
+            <a:spLocks noChangeArrowheads="1"/>
+          </p:cNvSpPr>
+          <p:nvPr/>
+        </p:nvSpPr>
+        <p:spPr bwMode="auto">
+          <a:xfrm>
+            <a:off x="4717152" y="4762919"/>
+            <a:ext cx="2074059" cy="406107"/>
+          </a:xfrm>
+          <a:prstGeom prst="rect">
+            <a:avLst/>
+          </a:prstGeom>
+          <a:solidFill>
             <a:schemeClr val="accent2"/>
+          </a:solidFill>
+          <a:ln w="9525">
+            <a:noFill/>
+            <a:miter lim="800000"/>
+            <a:headEnd/>
+            <a:tailEnd/>
+          </a:ln>
+        </p:spPr>
+        <p:txBody>
+          <a:bodyPr rot="0" vert="horz" wrap="square" lIns="91440" tIns="45720" rIns="91440" bIns="45720" anchor="t" anchorCtr="0">
+            <a:noAutofit/>
+          </a:bodyPr>
+          <a:lstStyle/>
+          <a:p>
+            <a:pPr>
+              <a:lnSpc>
+                <a:spcPct val="107000"/>
+              </a:lnSpc>
+              <a:spcAft>
+                <a:spcPts val="800"/>
+              </a:spcAft>
+            </a:pPr>
+            <a:r>
+              <a:rPr lang="en-SG" sz="1400" b="1" dirty="0">
+                <a:solidFill>
+                  <a:schemeClr val="bg1"/>
+                </a:solidFill>
+                <a:effectLst/>
+                <a:latin typeface="Arial Nova Cond" panose="020B0506020202020204" pitchFamily="34" charset="0"/>
+                <a:ea typeface="Calibri" panose="020F0502020204030204" pitchFamily="34" charset="0"/>
+                <a:cs typeface="Times New Roman" panose="02020603050405020304" pitchFamily="18" charset="0"/>
+              </a:rPr>
+              <a:t>Th</a:t>
+            </a:r>
+            <a:r>
+              <a:rPr lang="en-SG" sz="1400" b="1" dirty="0">
+                <a:solidFill>
+                  <a:schemeClr val="bg1"/>
+                </a:solidFill>
+                <a:latin typeface="Arial Nova Cond" panose="020B0506020202020204" pitchFamily="34" charset="0"/>
+                <a:ea typeface="Calibri" panose="020F0502020204030204" pitchFamily="34" charset="0"/>
+                <a:cs typeface="Times New Roman" panose="02020603050405020304" pitchFamily="18" charset="0"/>
+              </a:rPr>
+              <a:t>e deadline is changed</a:t>
+            </a:r>
+            <a:endParaRPr lang="en-SG" sz="1400" dirty="0">
+              <a:solidFill>
+                <a:schemeClr val="bg1"/>
+              </a:solidFill>
+              <a:effectLst/>
+              <a:latin typeface="Calibri" panose="020F0502020204030204" pitchFamily="34" charset="0"/>
+              <a:ea typeface="Calibri" panose="020F0502020204030204" pitchFamily="34" charset="0"/>
+              <a:cs typeface="Times New Roman" panose="02020603050405020304" pitchFamily="18" charset="0"/>
+            </a:endParaRPr>
+          </a:p>
+        </p:txBody>
+      </p:sp>
+      <p:cxnSp>
+        <p:nvCxnSpPr>
+          <p:cNvPr id="25" name="Straight Arrow Connector 24">
+            <a:extLst>
+              <a:ext uri="{FF2B5EF4-FFF2-40B4-BE49-F238E27FC236}">
+                <a16:creationId xmlns:a16="http://schemas.microsoft.com/office/drawing/2014/main" id="{11ED7DDB-5D23-4C38-85A5-09B531831850}"/>
+              </a:ext>
+            </a:extLst>
+          </p:cNvPr>
+          <p:cNvCxnSpPr>
+            <a:cxnSpLocks/>
+          </p:cNvCxnSpPr>
+          <p:nvPr/>
+        </p:nvCxnSpPr>
+        <p:spPr>
+          <a:xfrm flipV="1">
+            <a:off x="6036365" y="4338524"/>
+            <a:ext cx="743273" cy="424395"/>
+          </a:xfrm>
+          <a:prstGeom prst="straightConnector1">
+            <a:avLst/>
+          </a:prstGeom>
+          <a:ln>
+            <a:solidFill>
+              <a:schemeClr val="accent2"/>
+            </a:solidFill>
+            <a:tailEnd type="triangle"/>
+          </a:ln>
+        </p:spPr>
+        <p:style>
+          <a:lnRef idx="1">
+            <a:schemeClr val="accent1"/>
+          </a:lnRef>
+          <a:fillRef idx="0">
+            <a:schemeClr val="accent1"/>
+          </a:fillRef>
+          <a:effectRef idx="0">
+            <a:schemeClr val="accent1"/>
+          </a:effectRef>
+          <a:fontRef idx="minor">
+            <a:schemeClr val="tx1"/>
+          </a:fontRef>
+        </p:style>
+      </p:cxnSp>
+      <p:cxnSp>
+        <p:nvCxnSpPr>
+          <p:cNvPr id="28" name="Straight Arrow Connector 27">
+            <a:extLst>
+              <a:ext uri="{FF2B5EF4-FFF2-40B4-BE49-F238E27FC236}">
+                <a16:creationId xmlns:a16="http://schemas.microsoft.com/office/drawing/2014/main" id="{F68EAFBE-26ED-494F-8D58-D57EF05F3B10}"/>
+              </a:ext>
+            </a:extLst>
+          </p:cNvPr>
+          <p:cNvCxnSpPr>
+            <a:cxnSpLocks/>
+          </p:cNvCxnSpPr>
+          <p:nvPr/>
+        </p:nvCxnSpPr>
+        <p:spPr>
+          <a:xfrm flipH="1" flipV="1">
+            <a:off x="3993953" y="4338524"/>
+            <a:ext cx="1286825" cy="424395"/>
+          </a:xfrm>
+          <a:prstGeom prst="straightConnector1">
+            <a:avLst/>
+          </a:prstGeom>
+          <a:ln>
+            <a:solidFill>
+              <a:schemeClr val="accent2"/>
+            </a:solidFill>
+            <a:tailEnd type="triangle"/>
+          </a:ln>
+        </p:spPr>
+        <p:style>
+          <a:lnRef idx="1">
+            <a:schemeClr val="accent1"/>
+          </a:lnRef>
+          <a:fillRef idx="0">
+            <a:schemeClr val="accent1"/>
+          </a:fillRef>
+          <a:effectRef idx="0">
+            <a:schemeClr val="accent1"/>
           </a:effectRef>
           <a:fontRef idx="minor">
             <a:schemeClr val="tx1"/>
@@ -5862,16 +5756,15 @@
           </p:cNvPicPr>
           <p:nvPr/>
         </p:nvPicPr>
-        <p:blipFill>
+        <p:blipFill rotWithShape="1">
           <a:blip r:embed="rId2"/>
-          <a:stretch>
-            <a:fillRect/>
-          </a:stretch>
+          <a:srcRect l="32826" t="32369" r="13152" b="4422"/>
+          <a:stretch/>
         </p:blipFill>
         <p:spPr>
           <a:xfrm>
-            <a:off x="0" y="168868"/>
-            <a:ext cx="12192000" cy="6520264"/>
+            <a:off x="4002157" y="2279374"/>
+            <a:ext cx="6586330" cy="4121426"/>
           </a:xfrm>
           <a:prstGeom prst="rect">
             <a:avLst/>
@@ -6338,28 +6231,56 @@
           </p:cNvPicPr>
           <p:nvPr/>
         </p:nvPicPr>
-        <p:blipFill>
+        <p:blipFill rotWithShape="1">
           <a:blip r:embed="rId2"/>
-          <a:stretch>
-            <a:fillRect/>
-          </a:stretch>
+          <a:srcRect l="32826" t="31338" r="13044" b="4389"/>
+          <a:stretch/>
         </p:blipFill>
         <p:spPr>
           <a:xfrm>
-            <a:off x="0" y="171255"/>
-            <a:ext cx="12192000" cy="6515490"/>
+            <a:off x="5359249" y="1133875"/>
+            <a:ext cx="6599583" cy="4187687"/>
           </a:xfrm>
           <a:prstGeom prst="rect">
             <a:avLst/>
           </a:prstGeom>
         </p:spPr>
       </p:pic>
-      <p:sp>
-        <p:nvSpPr>
-          <p:cNvPr id="3" name="Text Box 2">
-            <a:extLst>
-              <a:ext uri="{FF2B5EF4-FFF2-40B4-BE49-F238E27FC236}">
-                <a16:creationId xmlns:a16="http://schemas.microsoft.com/office/drawing/2014/main" id="{57E5FFB0-0C74-4A40-BF46-1578F1B6A052}"/>
+      <p:pic>
+        <p:nvPicPr>
+          <p:cNvPr id="7" name="Picture 6">
+            <a:extLst>
+              <a:ext uri="{FF2B5EF4-FFF2-40B4-BE49-F238E27FC236}">
+                <a16:creationId xmlns:a16="http://schemas.microsoft.com/office/drawing/2014/main" id="{1B9991A0-BD19-4585-ACBC-1657C4AC2FA8}"/>
+              </a:ext>
+            </a:extLst>
+          </p:cNvPr>
+          <p:cNvPicPr>
+            <a:picLocks noChangeAspect="1"/>
+          </p:cNvPicPr>
+          <p:nvPr/>
+        </p:nvPicPr>
+        <p:blipFill rotWithShape="1">
+          <a:blip r:embed="rId3"/>
+          <a:srcRect l="32826" t="32369" r="13152" b="4422"/>
+          <a:stretch/>
+        </p:blipFill>
+        <p:spPr>
+          <a:xfrm>
+            <a:off x="-1410102" y="1133876"/>
+            <a:ext cx="6692218" cy="4187686"/>
+          </a:xfrm>
+          <a:prstGeom prst="rect">
+            <a:avLst/>
+          </a:prstGeom>
+        </p:spPr>
+      </p:pic>
+      <p:sp>
+        <p:nvSpPr>
+          <p:cNvPr id="8" name="Text Box 2">
+            <a:extLst>
+              <a:ext uri="{FF2B5EF4-FFF2-40B4-BE49-F238E27FC236}">
+                <a16:creationId xmlns:a16="http://schemas.microsoft.com/office/drawing/2014/main" id="{6C9381C2-A826-4357-A937-A024BA007227}"/>
               </a:ext>
             </a:extLst>
           </p:cNvPr>
@@ -6370,8 +6291,8 @@
         </p:nvSpPr>
         <p:spPr bwMode="auto">
           <a:xfrm>
-            <a:off x="4330306" y="1423515"/>
-            <a:ext cx="2892130" cy="378781"/>
+            <a:off x="-1410102" y="727770"/>
+            <a:ext cx="936712" cy="406106"/>
           </a:xfrm>
           <a:prstGeom prst="rect">
             <a:avLst/>
@@ -6380,9 +6301,7 @@
             <a:schemeClr val="accent2"/>
           </a:solidFill>
           <a:ln w="9525">
-            <a:solidFill>
-              <a:srgbClr val="000000"/>
-            </a:solidFill>
+            <a:noFill/>
             <a:miter lim="800000"/>
             <a:headEnd/>
             <a:tailEnd/>
@@ -6403,20 +6322,22 @@
               </a:spcAft>
             </a:pPr>
             <a:r>
-              <a:rPr lang="en-SG" sz="1200" b="1" dirty="0">
+              <a:rPr lang="en-SG" sz="2000" b="1" dirty="0">
                 <a:solidFill>
                   <a:schemeClr val="bg1"/>
                 </a:solidFill>
+                <a:effectLst/>
                 <a:latin typeface="Arial Nova Cond" panose="020B0506020202020204" pitchFamily="34" charset="0"/>
                 <a:ea typeface="Calibri" panose="020F0502020204030204" pitchFamily="34" charset="0"/>
                 <a:cs typeface="Times New Roman" panose="02020603050405020304" pitchFamily="18" charset="0"/>
               </a:rPr>
-              <a:t>4. The success message will be shown</a:t>
+              <a:t>Before</a:t>
             </a:r>
             <a:endParaRPr lang="en-SG" sz="2000" dirty="0">
               <a:solidFill>
                 <a:schemeClr val="bg1"/>
               </a:solidFill>
+              <a:effectLst/>
               <a:latin typeface="Calibri" panose="020F0502020204030204" pitchFamily="34" charset="0"/>
               <a:ea typeface="Calibri" panose="020F0502020204030204" pitchFamily="34" charset="0"/>
               <a:cs typeface="Times New Roman" panose="02020603050405020304" pitchFamily="18" charset="0"/>
@@ -6424,58 +6345,12 @@
           </a:p>
         </p:txBody>
       </p:sp>
-      <p:cxnSp>
-        <p:nvCxnSpPr>
-          <p:cNvPr id="4" name="Connector: Elbow 3">
-            <a:extLst>
-              <a:ext uri="{FF2B5EF4-FFF2-40B4-BE49-F238E27FC236}">
-                <a16:creationId xmlns:a16="http://schemas.microsoft.com/office/drawing/2014/main" id="{F821B2C2-57F3-4453-B6EF-5D5C5CC286B3}"/>
-              </a:ext>
-            </a:extLst>
-          </p:cNvPr>
-          <p:cNvCxnSpPr>
-            <a:cxnSpLocks/>
-          </p:cNvCxnSpPr>
-          <p:nvPr/>
-        </p:nvCxnSpPr>
-        <p:spPr>
-          <a:xfrm rot="10800000">
-            <a:off x="3583749" y="1423516"/>
-            <a:ext cx="746560" cy="225767"/>
-          </a:xfrm>
-          <a:prstGeom prst="bentConnector3">
-            <a:avLst>
-              <a:gd name="adj1" fmla="val 99944"/>
-            </a:avLst>
-          </a:prstGeom>
-          <a:ln>
-            <a:solidFill>
-              <a:schemeClr val="accent2"/>
-            </a:solidFill>
-            <a:tailEnd type="triangle"/>
-          </a:ln>
-        </p:spPr>
-        <p:style>
-          <a:lnRef idx="1">
-            <a:schemeClr val="accent2"/>
-          </a:lnRef>
-          <a:fillRef idx="0">
-            <a:schemeClr val="accent2"/>
-          </a:fillRef>
-          <a:effectRef idx="0">
-            <a:schemeClr val="accent2"/>
-          </a:effectRef>
-          <a:fontRef idx="minor">
-            <a:schemeClr val="tx1"/>
-          </a:fontRef>
-        </p:style>
-      </p:cxnSp>
-      <p:sp>
-        <p:nvSpPr>
-          <p:cNvPr id="5" name="Text Box 2">
-            <a:extLst>
-              <a:ext uri="{FF2B5EF4-FFF2-40B4-BE49-F238E27FC236}">
-                <a16:creationId xmlns:a16="http://schemas.microsoft.com/office/drawing/2014/main" id="{E98D1064-71A8-4A4D-AB75-BF61A3DF6A7B}"/>
+      <p:sp>
+        <p:nvSpPr>
+          <p:cNvPr id="9" name="Text Box 2">
+            <a:extLst>
+              <a:ext uri="{FF2B5EF4-FFF2-40B4-BE49-F238E27FC236}">
+                <a16:creationId xmlns:a16="http://schemas.microsoft.com/office/drawing/2014/main" id="{43E611F0-51A5-4E63-95F4-5073FB68F400}"/>
               </a:ext>
             </a:extLst>
           </p:cNvPr>
@@ -6486,8 +6361,8 @@
         </p:nvSpPr>
         <p:spPr bwMode="auto">
           <a:xfrm>
-            <a:off x="7222435" y="3054556"/>
-            <a:ext cx="3233529" cy="854835"/>
+            <a:off x="5359249" y="735185"/>
+            <a:ext cx="936712" cy="406106"/>
           </a:xfrm>
           <a:prstGeom prst="rect">
             <a:avLst/>
@@ -6496,9 +6371,7 @@
             <a:schemeClr val="accent2"/>
           </a:solidFill>
           <a:ln w="9525">
-            <a:solidFill>
-              <a:srgbClr val="000000"/>
-            </a:solidFill>
+            <a:noFill/>
             <a:miter lim="800000"/>
             <a:headEnd/>
             <a:tailEnd/>
@@ -6519,18 +6392,7 @@
               </a:spcAft>
             </a:pPr>
             <a:r>
-              <a:rPr lang="en-SG" sz="1200" b="1" dirty="0">
-                <a:solidFill>
-                  <a:schemeClr val="bg1"/>
-                </a:solidFill>
-                <a:latin typeface="Arial Nova Cond" panose="020B0506020202020204" pitchFamily="34" charset="0"/>
-                <a:ea typeface="Calibri" panose="020F0502020204030204" pitchFamily="34" charset="0"/>
-                <a:cs typeface="Times New Roman" panose="02020603050405020304" pitchFamily="18" charset="0"/>
-              </a:rPr>
-              <a:t>5</a:t>
-            </a:r>
-            <a:r>
-              <a:rPr lang="en-SG" sz="1200" b="1" dirty="0">
+              <a:rPr lang="en-SG" sz="2000" b="1" dirty="0">
                 <a:solidFill>
                   <a:schemeClr val="bg1"/>
                 </a:solidFill>
@@ -6539,9 +6401,9 @@
                 <a:ea typeface="Calibri" panose="020F0502020204030204" pitchFamily="34" charset="0"/>
                 <a:cs typeface="Times New Roman" panose="02020603050405020304" pitchFamily="18" charset="0"/>
               </a:rPr>
-              <a:t>. The edited milestone is shown at index 2. Since the milestones are sorted by date, changing the date to 03/08/2019 shifted the milestone to be second in the list.</a:t>
-            </a:r>
-            <a:endParaRPr lang="en-SG" sz="1200" dirty="0">
+              <a:t>After</a:t>
+            </a:r>
+            <a:endParaRPr lang="en-SG" sz="2000" dirty="0">
               <a:solidFill>
                 <a:schemeClr val="bg1"/>
               </a:solidFill>
@@ -6553,30 +6415,142 @@
           </a:p>
         </p:txBody>
       </p:sp>
+      <p:sp>
+        <p:nvSpPr>
+          <p:cNvPr id="10" name="Text Box 2">
+            <a:extLst>
+              <a:ext uri="{FF2B5EF4-FFF2-40B4-BE49-F238E27FC236}">
+                <a16:creationId xmlns:a16="http://schemas.microsoft.com/office/drawing/2014/main" id="{6D1CD1A8-E5D2-406E-89BF-71BB546CF4D1}"/>
+              </a:ext>
+            </a:extLst>
+          </p:cNvPr>
+          <p:cNvSpPr txBox="1">
+            <a:spLocks noChangeArrowheads="1"/>
+          </p:cNvSpPr>
+          <p:nvPr/>
+        </p:nvSpPr>
+        <p:spPr bwMode="auto">
+          <a:xfrm>
+            <a:off x="2770981" y="2223073"/>
+            <a:ext cx="2519017" cy="1659814"/>
+          </a:xfrm>
+          <a:prstGeom prst="rect">
+            <a:avLst/>
+          </a:prstGeom>
+          <a:solidFill>
+            <a:schemeClr val="accent2"/>
+          </a:solidFill>
+          <a:ln w="9525">
+            <a:noFill/>
+            <a:miter lim="800000"/>
+            <a:headEnd/>
+            <a:tailEnd/>
+          </a:ln>
+        </p:spPr>
+        <p:txBody>
+          <a:bodyPr rot="0" vert="horz" wrap="square" lIns="91440" tIns="45720" rIns="91440" bIns="45720" anchor="t" anchorCtr="0">
+            <a:noAutofit/>
+          </a:bodyPr>
+          <a:lstStyle/>
+          <a:p>
+            <a:pPr>
+              <a:lnSpc>
+                <a:spcPct val="107000"/>
+              </a:lnSpc>
+              <a:spcAft>
+                <a:spcPts val="800"/>
+              </a:spcAft>
+            </a:pPr>
+            <a:r>
+              <a:rPr lang="en-SG" sz="1400" b="1" dirty="0">
+                <a:solidFill>
+                  <a:schemeClr val="bg1"/>
+                </a:solidFill>
+                <a:latin typeface="Arial Nova Cond" panose="020B0506020202020204" pitchFamily="34" charset="0"/>
+                <a:ea typeface="Calibri" panose="020F0502020204030204" pitchFamily="34" charset="0"/>
+                <a:cs typeface="Times New Roman" panose="02020603050405020304" pitchFamily="18" charset="0"/>
+              </a:rPr>
+              <a:t>The milestone at index 1 is edited to ‘Version 1.1 refactoring’. Since the milestone are sorted by date, the edited milestone  with the new date has been shifted to index 2.</a:t>
+            </a:r>
+            <a:endParaRPr lang="en-SG" sz="1400" b="1" dirty="0">
+              <a:solidFill>
+                <a:schemeClr val="bg1"/>
+              </a:solidFill>
+              <a:effectLst/>
+              <a:latin typeface="Arial Nova Cond" panose="020B0506020202020204" pitchFamily="34" charset="0"/>
+              <a:ea typeface="Calibri" panose="020F0502020204030204" pitchFamily="34" charset="0"/>
+              <a:cs typeface="Times New Roman" panose="02020603050405020304" pitchFamily="18" charset="0"/>
+            </a:endParaRPr>
+          </a:p>
+        </p:txBody>
+      </p:sp>
       <p:cxnSp>
         <p:nvCxnSpPr>
-          <p:cNvPr id="6" name="Straight Arrow Connector 5">
-            <a:extLst>
-              <a:ext uri="{FF2B5EF4-FFF2-40B4-BE49-F238E27FC236}">
-                <a16:creationId xmlns:a16="http://schemas.microsoft.com/office/drawing/2014/main" id="{00C8850A-1CF1-4A16-8B36-773B3DA28F18}"/>
+          <p:cNvPr id="11" name="Straight Arrow Connector 10">
+            <a:extLst>
+              <a:ext uri="{FF2B5EF4-FFF2-40B4-BE49-F238E27FC236}">
+                <a16:creationId xmlns:a16="http://schemas.microsoft.com/office/drawing/2014/main" id="{0E34A8B6-C3CC-4BD1-BD7F-6A744AAD67DA}"/>
               </a:ext>
             </a:extLst>
           </p:cNvPr>
           <p:cNvCxnSpPr>
             <a:cxnSpLocks/>
-            <a:stCxn id="5" idx="1"/>
           </p:cNvCxnSpPr>
           <p:nvPr/>
         </p:nvCxnSpPr>
         <p:spPr>
           <a:xfrm flipH="1" flipV="1">
-            <a:off x="6228523" y="3054558"/>
-            <a:ext cx="993912" cy="427416"/>
+            <a:off x="834887" y="1720373"/>
+            <a:ext cx="2750934" cy="564912"/>
           </a:xfrm>
           <a:prstGeom prst="straightConnector1">
             <a:avLst/>
           </a:prstGeom>
-          <a:ln>
+          <a:ln w="38100">
+            <a:solidFill>
+              <a:schemeClr val="accent2"/>
+            </a:solidFill>
+            <a:tailEnd type="triangle"/>
+          </a:ln>
+        </p:spPr>
+        <p:style>
+          <a:lnRef idx="1">
+            <a:schemeClr val="accent1"/>
+          </a:lnRef>
+          <a:fillRef idx="0">
+            <a:schemeClr val="accent1"/>
+          </a:fillRef>
+          <a:effectRef idx="0">
+            <a:schemeClr val="accent1"/>
+          </a:effectRef>
+          <a:fontRef idx="minor">
+            <a:schemeClr val="tx1"/>
+          </a:fontRef>
+        </p:style>
+      </p:cxnSp>
+      <p:cxnSp>
+        <p:nvCxnSpPr>
+          <p:cNvPr id="12" name="Straight Arrow Connector 11">
+            <a:extLst>
+              <a:ext uri="{FF2B5EF4-FFF2-40B4-BE49-F238E27FC236}">
+                <a16:creationId xmlns:a16="http://schemas.microsoft.com/office/drawing/2014/main" id="{D5CCF147-D3F9-4C2E-8770-6A8CC21E06D6}"/>
+              </a:ext>
+            </a:extLst>
+          </p:cNvPr>
+          <p:cNvCxnSpPr>
+            <a:cxnSpLocks/>
+          </p:cNvCxnSpPr>
+          <p:nvPr/>
+        </p:nvCxnSpPr>
+        <p:spPr>
+          <a:xfrm flipV="1">
+            <a:off x="4625009" y="2002829"/>
+            <a:ext cx="988485" cy="220244"/>
+          </a:xfrm>
+          <a:prstGeom prst="straightConnector1">
+            <a:avLst/>
+          </a:prstGeom>
+          <a:ln w="38100">
             <a:solidFill>
               <a:schemeClr val="accent2"/>
             </a:solidFill>

--- a/docs/diagrams/Shune'sCommand.pptx
+++ b/docs/diagrams/Shune'sCommand.pptx
@@ -3956,6 +3956,120 @@
           </a:p>
         </p:txBody>
       </p:sp>
+      <p:sp>
+        <p:nvSpPr>
+          <p:cNvPr id="15" name="Text Box 2">
+            <a:extLst>
+              <a:ext uri="{FF2B5EF4-FFF2-40B4-BE49-F238E27FC236}">
+                <a16:creationId xmlns:a16="http://schemas.microsoft.com/office/drawing/2014/main" id="{CB8B733B-2E41-4077-A647-801011EC34EC}"/>
+              </a:ext>
+            </a:extLst>
+          </p:cNvPr>
+          <p:cNvSpPr txBox="1">
+            <a:spLocks noChangeArrowheads="1"/>
+          </p:cNvSpPr>
+          <p:nvPr/>
+        </p:nvSpPr>
+        <p:spPr bwMode="auto">
+          <a:xfrm>
+            <a:off x="9129957" y="3197089"/>
+            <a:ext cx="1757519" cy="473763"/>
+          </a:xfrm>
+          <a:prstGeom prst="rect">
+            <a:avLst/>
+          </a:prstGeom>
+          <a:solidFill>
+            <a:schemeClr val="accent2"/>
+          </a:solidFill>
+          <a:ln w="9525">
+            <a:noFill/>
+            <a:miter lim="800000"/>
+            <a:headEnd/>
+            <a:tailEnd/>
+          </a:ln>
+        </p:spPr>
+        <p:txBody>
+          <a:bodyPr rot="0" vert="horz" wrap="square" lIns="91440" tIns="45720" rIns="91440" bIns="45720" anchor="t" anchorCtr="0">
+            <a:noAutofit/>
+          </a:bodyPr>
+          <a:lstStyle/>
+          <a:p>
+            <a:pPr>
+              <a:lnSpc>
+                <a:spcPct val="107000"/>
+              </a:lnSpc>
+              <a:spcAft>
+                <a:spcPts val="800"/>
+              </a:spcAft>
+            </a:pPr>
+            <a:r>
+              <a:rPr lang="en-SG" sz="1400" b="1" dirty="0">
+                <a:solidFill>
+                  <a:schemeClr val="bg1"/>
+                </a:solidFill>
+                <a:effectLst/>
+                <a:latin typeface="Arial Nova Cond" panose="020B0506020202020204" pitchFamily="34" charset="0"/>
+                <a:ea typeface="Calibri" panose="020F0502020204030204" pitchFamily="34" charset="0"/>
+                <a:cs typeface="Times New Roman" panose="02020603050405020304" pitchFamily="18" charset="0"/>
+              </a:rPr>
+              <a:t>Found in description</a:t>
+            </a:r>
+            <a:endParaRPr lang="en-SG" sz="1400" dirty="0">
+              <a:solidFill>
+                <a:schemeClr val="bg1"/>
+              </a:solidFill>
+              <a:effectLst/>
+              <a:latin typeface="Calibri" panose="020F0502020204030204" pitchFamily="34" charset="0"/>
+              <a:ea typeface="Calibri" panose="020F0502020204030204" pitchFamily="34" charset="0"/>
+              <a:cs typeface="Times New Roman" panose="02020603050405020304" pitchFamily="18" charset="0"/>
+            </a:endParaRPr>
+          </a:p>
+        </p:txBody>
+      </p:sp>
+      <p:cxnSp>
+        <p:nvCxnSpPr>
+          <p:cNvPr id="17" name="Straight Arrow Connector 16">
+            <a:extLst>
+              <a:ext uri="{FF2B5EF4-FFF2-40B4-BE49-F238E27FC236}">
+                <a16:creationId xmlns:a16="http://schemas.microsoft.com/office/drawing/2014/main" id="{CB66A60E-726D-4EBE-8BD8-BF5753FFF920}"/>
+              </a:ext>
+            </a:extLst>
+          </p:cNvPr>
+          <p:cNvCxnSpPr>
+            <a:cxnSpLocks/>
+          </p:cNvCxnSpPr>
+          <p:nvPr/>
+        </p:nvCxnSpPr>
+        <p:spPr>
+          <a:xfrm flipH="1" flipV="1">
+            <a:off x="8304330" y="3268714"/>
+            <a:ext cx="924494" cy="74146"/>
+          </a:xfrm>
+          <a:prstGeom prst="straightConnector1">
+            <a:avLst/>
+          </a:prstGeom>
+          <a:ln>
+            <a:solidFill>
+              <a:schemeClr val="accent2"/>
+            </a:solidFill>
+            <a:tailEnd type="triangle"/>
+          </a:ln>
+        </p:spPr>
+        <p:style>
+          <a:lnRef idx="1">
+            <a:schemeClr val="accent1"/>
+          </a:lnRef>
+          <a:fillRef idx="0">
+            <a:schemeClr val="accent1"/>
+          </a:fillRef>
+          <a:effectRef idx="0">
+            <a:schemeClr val="accent1"/>
+          </a:effectRef>
+          <a:fontRef idx="minor">
+            <a:schemeClr val="tx1"/>
+          </a:fontRef>
+        </p:style>
+      </p:cxnSp>
     </p:spTree>
     <p:extLst>
       <p:ext uri="{BB962C8B-B14F-4D97-AF65-F5344CB8AC3E}">
